--- a/Presentaciones/4.8 Protección del proyecto.pptx
+++ b/Presentaciones/4.8 Protección del proyecto.pptx
@@ -2,18 +2,19 @@
 <file path=ppt/presentation.xml><?xml version="1.0" encoding="utf-8"?>
 <p:presentation xmlns:a="http://schemas.openxmlformats.org/drawingml/2006/main" xmlns:r="http://schemas.openxmlformats.org/officeDocument/2006/relationships" xmlns:p="http://schemas.openxmlformats.org/presentationml/2006/main" saveSubsetFonts="1">
   <p:sldMasterIdLst>
-    <p:sldMasterId id="2147483648" r:id="rId1"/>
+    <p:sldMasterId id="2147483672" r:id="rId1"/>
   </p:sldMasterIdLst>
   <p:sldIdLst>
     <p:sldId id="256" r:id="rId2"/>
+    <p:sldId id="257" r:id="rId3"/>
   </p:sldIdLst>
   <p:sldSz cx="12192000" cy="6858000"/>
   <p:notesSz cx="6858000" cy="9144000"/>
   <p:defaultTextStyle>
     <a:defPPr>
-      <a:defRPr lang="es-MX"/>
+      <a:defRPr lang="en-US"/>
     </a:defPPr>
-    <a:lvl1pPr marL="0" algn="l" defTabSz="914400" rtl="0" eaLnBrk="1" latinLnBrk="0" hangingPunct="1">
+    <a:lvl1pPr marL="0" algn="l" defTabSz="457200" rtl="0" eaLnBrk="1" latinLnBrk="0" hangingPunct="1">
       <a:defRPr sz="1800" kern="1200">
         <a:solidFill>
           <a:schemeClr val="tx1"/>
@@ -23,7 +24,7 @@
         <a:cs typeface="+mn-cs"/>
       </a:defRPr>
     </a:lvl1pPr>
-    <a:lvl2pPr marL="457200" algn="l" defTabSz="914400" rtl="0" eaLnBrk="1" latinLnBrk="0" hangingPunct="1">
+    <a:lvl2pPr marL="457200" algn="l" defTabSz="457200" rtl="0" eaLnBrk="1" latinLnBrk="0" hangingPunct="1">
       <a:defRPr sz="1800" kern="1200">
         <a:solidFill>
           <a:schemeClr val="tx1"/>
@@ -33,7 +34,7 @@
         <a:cs typeface="+mn-cs"/>
       </a:defRPr>
     </a:lvl2pPr>
-    <a:lvl3pPr marL="914400" algn="l" defTabSz="914400" rtl="0" eaLnBrk="1" latinLnBrk="0" hangingPunct="1">
+    <a:lvl3pPr marL="914400" algn="l" defTabSz="457200" rtl="0" eaLnBrk="1" latinLnBrk="0" hangingPunct="1">
       <a:defRPr sz="1800" kern="1200">
         <a:solidFill>
           <a:schemeClr val="tx1"/>
@@ -43,7 +44,7 @@
         <a:cs typeface="+mn-cs"/>
       </a:defRPr>
     </a:lvl3pPr>
-    <a:lvl4pPr marL="1371600" algn="l" defTabSz="914400" rtl="0" eaLnBrk="1" latinLnBrk="0" hangingPunct="1">
+    <a:lvl4pPr marL="1371600" algn="l" defTabSz="457200" rtl="0" eaLnBrk="1" latinLnBrk="0" hangingPunct="1">
       <a:defRPr sz="1800" kern="1200">
         <a:solidFill>
           <a:schemeClr val="tx1"/>
@@ -53,7 +54,7 @@
         <a:cs typeface="+mn-cs"/>
       </a:defRPr>
     </a:lvl4pPr>
-    <a:lvl5pPr marL="1828800" algn="l" defTabSz="914400" rtl="0" eaLnBrk="1" latinLnBrk="0" hangingPunct="1">
+    <a:lvl5pPr marL="1828800" algn="l" defTabSz="457200" rtl="0" eaLnBrk="1" latinLnBrk="0" hangingPunct="1">
       <a:defRPr sz="1800" kern="1200">
         <a:solidFill>
           <a:schemeClr val="tx1"/>
@@ -63,7 +64,7 @@
         <a:cs typeface="+mn-cs"/>
       </a:defRPr>
     </a:lvl5pPr>
-    <a:lvl6pPr marL="2286000" algn="l" defTabSz="914400" rtl="0" eaLnBrk="1" latinLnBrk="0" hangingPunct="1">
+    <a:lvl6pPr marL="2286000" algn="l" defTabSz="457200" rtl="0" eaLnBrk="1" latinLnBrk="0" hangingPunct="1">
       <a:defRPr sz="1800" kern="1200">
         <a:solidFill>
           <a:schemeClr val="tx1"/>
@@ -73,7 +74,7 @@
         <a:cs typeface="+mn-cs"/>
       </a:defRPr>
     </a:lvl6pPr>
-    <a:lvl7pPr marL="2743200" algn="l" defTabSz="914400" rtl="0" eaLnBrk="1" latinLnBrk="0" hangingPunct="1">
+    <a:lvl7pPr marL="2743200" algn="l" defTabSz="457200" rtl="0" eaLnBrk="1" latinLnBrk="0" hangingPunct="1">
       <a:defRPr sz="1800" kern="1200">
         <a:solidFill>
           <a:schemeClr val="tx1"/>
@@ -83,7 +84,7 @@
         <a:cs typeface="+mn-cs"/>
       </a:defRPr>
     </a:lvl7pPr>
-    <a:lvl8pPr marL="3200400" algn="l" defTabSz="914400" rtl="0" eaLnBrk="1" latinLnBrk="0" hangingPunct="1">
+    <a:lvl8pPr marL="3200400" algn="l" defTabSz="457200" rtl="0" eaLnBrk="1" latinLnBrk="0" hangingPunct="1">
       <a:defRPr sz="1800" kern="1200">
         <a:solidFill>
           <a:schemeClr val="tx1"/>
@@ -93,7 +94,7 @@
         <a:cs typeface="+mn-cs"/>
       </a:defRPr>
     </a:lvl8pPr>
-    <a:lvl9pPr marL="3657600" algn="l" defTabSz="914400" rtl="0" eaLnBrk="1" latinLnBrk="0" hangingPunct="1">
+    <a:lvl9pPr marL="3657600" algn="l" defTabSz="457200" rtl="0" eaLnBrk="1" latinLnBrk="0" hangingPunct="1">
       <a:defRPr sz="1800" kern="1200">
         <a:solidFill>
           <a:schemeClr val="tx1"/>
@@ -104,12 +105,22 @@
       </a:defRPr>
     </a:lvl9pPr>
   </p:defaultTextStyle>
+  <p:extLst>
+    <p:ext uri="{EFAFB233-063F-42B5-8137-9DF3F51BA10A}">
+      <p15:sldGuideLst xmlns:p15="http://schemas.microsoft.com/office/powerpoint/2012/main"/>
+    </p:ext>
+  </p:extLst>
 </p:presentation>
 </file>
 
 <file path=ppt/slideLayouts/slideLayout1.xml><?xml version="1.0" encoding="utf-8"?>
 <p:sldLayout xmlns:a="http://schemas.openxmlformats.org/drawingml/2006/main" xmlns:r="http://schemas.openxmlformats.org/officeDocument/2006/relationships" xmlns:p="http://schemas.openxmlformats.org/presentationml/2006/main" type="title" preserve="1">
   <p:cSld name="Title Slide">
+    <p:bg>
+      <p:bgRef idx="1001">
+        <a:schemeClr val="bg2"/>
+      </p:bgRef>
+    </p:bg>
     <p:spTree>
       <p:nvGrpSpPr>
         <p:cNvPr id="1" name=""/>
@@ -126,13 +137,7 @@
       </p:grpSpPr>
       <p:sp>
         <p:nvSpPr>
-          <p:cNvPr id="2" name="Title 1">
-            <a:extLst>
-              <a:ext uri="{FF2B5EF4-FFF2-40B4-BE49-F238E27FC236}">
-                <a16:creationId xmlns:a16="http://schemas.microsoft.com/office/drawing/2014/main" id="{EDCCF749-38EF-4A14-9E63-49832414FD34}"/>
-              </a:ext>
-            </a:extLst>
-          </p:cNvPr>
+          <p:cNvPr id="2" name="Title 1"/>
           <p:cNvSpPr>
             <a:spLocks noGrp="1"/>
           </p:cNvSpPr>
@@ -142,15 +147,24 @@
         </p:nvSpPr>
         <p:spPr>
           <a:xfrm>
-            <a:off x="1524000" y="1122363"/>
-            <a:ext cx="9144000" cy="2387600"/>
+            <a:off x="1261872" y="758952"/>
+            <a:ext cx="9418320" cy="4041648"/>
           </a:xfrm>
         </p:spPr>
         <p:txBody>
-          <a:bodyPr anchor="b"/>
+          <a:bodyPr anchor="b">
+            <a:normAutofit/>
+          </a:bodyPr>
           <a:lstStyle>
-            <a:lvl1pPr algn="ctr">
-              <a:defRPr sz="6000"/>
+            <a:lvl1pPr algn="l">
+              <a:lnSpc>
+                <a:spcPct val="85000"/>
+              </a:lnSpc>
+              <a:defRPr sz="7200" baseline="0">
+                <a:solidFill>
+                  <a:schemeClr val="tx1"/>
+                </a:solidFill>
+              </a:defRPr>
             </a:lvl1pPr>
           </a:lstStyle>
           <a:p>
@@ -158,19 +172,13 @@
               <a:rPr lang="en-US"/>
               <a:t>Click to edit Master title style</a:t>
             </a:r>
-            <a:endParaRPr lang="es-MX"/>
-          </a:p>
-        </p:txBody>
-      </p:sp>
-      <p:sp>
-        <p:nvSpPr>
-          <p:cNvPr id="3" name="Subtitle 2">
-            <a:extLst>
-              <a:ext uri="{FF2B5EF4-FFF2-40B4-BE49-F238E27FC236}">
-                <a16:creationId xmlns:a16="http://schemas.microsoft.com/office/drawing/2014/main" id="{88EC5956-D818-40CC-8C31-096C070D300F}"/>
-              </a:ext>
-            </a:extLst>
-          </p:cNvPr>
+            <a:endParaRPr lang="en-US" dirty="0"/>
+          </a:p>
+        </p:txBody>
+      </p:sp>
+      <p:sp>
+        <p:nvSpPr>
+          <p:cNvPr id="3" name="Subtitle 2"/>
           <p:cNvSpPr>
             <a:spLocks noGrp="1"/>
           </p:cNvSpPr>
@@ -180,48 +188,56 @@
         </p:nvSpPr>
         <p:spPr>
           <a:xfrm>
-            <a:off x="1524000" y="3602038"/>
-            <a:ext cx="9144000" cy="1655762"/>
+            <a:off x="1261872" y="4800600"/>
+            <a:ext cx="9418320" cy="1691640"/>
           </a:xfrm>
         </p:spPr>
         <p:txBody>
-          <a:bodyPr/>
+          <a:bodyPr>
+            <a:normAutofit/>
+          </a:bodyPr>
           <a:lstStyle>
-            <a:lvl1pPr marL="0" indent="0" algn="ctr">
-              <a:buNone/>
-              <a:defRPr sz="2400"/>
+            <a:lvl1pPr marL="0" indent="0" algn="l">
+              <a:buNone/>
+              <a:defRPr sz="2200" spc="30" baseline="0">
+                <a:solidFill>
+                  <a:schemeClr val="tx1">
+                    <a:lumMod val="75000"/>
+                  </a:schemeClr>
+                </a:solidFill>
+              </a:defRPr>
             </a:lvl1pPr>
             <a:lvl2pPr marL="457200" indent="0" algn="ctr">
               <a:buNone/>
-              <a:defRPr sz="2000"/>
+              <a:defRPr sz="2200"/>
             </a:lvl2pPr>
             <a:lvl3pPr marL="914400" indent="0" algn="ctr">
               <a:buNone/>
-              <a:defRPr sz="1800"/>
+              <a:defRPr sz="2200"/>
             </a:lvl3pPr>
             <a:lvl4pPr marL="1371600" indent="0" algn="ctr">
               <a:buNone/>
-              <a:defRPr sz="1600"/>
+              <a:defRPr sz="2000"/>
             </a:lvl4pPr>
             <a:lvl5pPr marL="1828800" indent="0" algn="ctr">
               <a:buNone/>
-              <a:defRPr sz="1600"/>
+              <a:defRPr sz="2000"/>
             </a:lvl5pPr>
             <a:lvl6pPr marL="2286000" indent="0" algn="ctr">
               <a:buNone/>
-              <a:defRPr sz="1600"/>
+              <a:defRPr sz="2000"/>
             </a:lvl6pPr>
             <a:lvl7pPr marL="2743200" indent="0" algn="ctr">
               <a:buNone/>
-              <a:defRPr sz="1600"/>
+              <a:defRPr sz="2000"/>
             </a:lvl7pPr>
             <a:lvl8pPr marL="3200400" indent="0" algn="ctr">
               <a:buNone/>
-              <a:defRPr sz="1600"/>
+              <a:defRPr sz="2000"/>
             </a:lvl8pPr>
             <a:lvl9pPr marL="3657600" indent="0" algn="ctr">
               <a:buNone/>
-              <a:defRPr sz="1600"/>
+              <a:defRPr sz="2000"/>
             </a:lvl9pPr>
           </a:lstStyle>
           <a:p>
@@ -229,19 +245,54 @@
               <a:rPr lang="en-US"/>
               <a:t>Click to edit Master subtitle style</a:t>
             </a:r>
-            <a:endParaRPr lang="es-MX"/>
-          </a:p>
-        </p:txBody>
-      </p:sp>
-      <p:sp>
-        <p:nvSpPr>
-          <p:cNvPr id="4" name="Date Placeholder 3">
-            <a:extLst>
-              <a:ext uri="{FF2B5EF4-FFF2-40B4-BE49-F238E27FC236}">
-                <a16:creationId xmlns:a16="http://schemas.microsoft.com/office/drawing/2014/main" id="{A943D69D-3F09-4908-89D3-FCF0E95C7BBB}"/>
-              </a:ext>
-            </a:extLst>
-          </p:cNvPr>
+            <a:endParaRPr lang="en-US" dirty="0"/>
+          </a:p>
+        </p:txBody>
+      </p:sp>
+      <p:sp>
+        <p:nvSpPr>
+          <p:cNvPr id="7" name="Rectangle 6"/>
+          <p:cNvSpPr/>
+          <p:nvPr/>
+        </p:nvSpPr>
+        <p:spPr>
+          <a:xfrm>
+            <a:off x="0" y="0"/>
+            <a:ext cx="457200" cy="6858000"/>
+          </a:xfrm>
+          <a:prstGeom prst="rect">
+            <a:avLst/>
+          </a:prstGeom>
+          <a:solidFill>
+            <a:schemeClr val="bg2">
+              <a:lumMod val="60000"/>
+              <a:lumOff val="40000"/>
+            </a:schemeClr>
+          </a:solidFill>
+          <a:ln>
+            <a:noFill/>
+          </a:ln>
+        </p:spPr>
+        <p:style>
+          <a:lnRef idx="2">
+            <a:schemeClr val="accent1">
+              <a:shade val="50000"/>
+            </a:schemeClr>
+          </a:lnRef>
+          <a:fillRef idx="1">
+            <a:schemeClr val="accent1"/>
+          </a:fillRef>
+          <a:effectRef idx="0">
+            <a:schemeClr val="accent1"/>
+          </a:effectRef>
+          <a:fontRef idx="minor">
+            <a:schemeClr val="lt1"/>
+          </a:fontRef>
+        </p:style>
+      </p:sp>
+      <p:sp>
+        <p:nvSpPr>
+          <p:cNvPr id="8" name="Date Placeholder 7"/>
           <p:cNvSpPr>
             <a:spLocks noGrp="1"/>
           </p:cNvSpPr>
@@ -256,7 +307,7 @@
           <a:p>
             <a:fld id="{8C95B75D-73A6-48A0-A6AB-4E09535D57A2}" type="datetimeFigureOut">
               <a:rPr lang="es-MX" smtClean="0"/>
-              <a:t>15/03/2019</a:t>
+              <a:t>20/03/2019</a:t>
             </a:fld>
             <a:endParaRPr lang="es-MX"/>
           </a:p>
@@ -264,13 +315,7 @@
       </p:sp>
       <p:sp>
         <p:nvSpPr>
-          <p:cNvPr id="5" name="Footer Placeholder 4">
-            <a:extLst>
-              <a:ext uri="{FF2B5EF4-FFF2-40B4-BE49-F238E27FC236}">
-                <a16:creationId xmlns:a16="http://schemas.microsoft.com/office/drawing/2014/main" id="{614E6310-C235-41E4-90EB-A178D2962882}"/>
-              </a:ext>
-            </a:extLst>
-          </p:cNvPr>
+          <p:cNvPr id="9" name="Footer Placeholder 8"/>
           <p:cNvSpPr>
             <a:spLocks noGrp="1"/>
           </p:cNvSpPr>
@@ -289,13 +334,7 @@
       </p:sp>
       <p:sp>
         <p:nvSpPr>
-          <p:cNvPr id="6" name="Slide Number Placeholder 5">
-            <a:extLst>
-              <a:ext uri="{FF2B5EF4-FFF2-40B4-BE49-F238E27FC236}">
-                <a16:creationId xmlns:a16="http://schemas.microsoft.com/office/drawing/2014/main" id="{51F71E00-DF1C-4635-9C52-FC1095C9EE3E}"/>
-              </a:ext>
-            </a:extLst>
-          </p:cNvPr>
+          <p:cNvPr id="10" name="Slide Number Placeholder 9"/>
           <p:cNvSpPr>
             <a:spLocks noGrp="1"/>
           </p:cNvSpPr>
@@ -319,12 +358,12 @@
     </p:spTree>
     <p:extLst>
       <p:ext uri="{BB962C8B-B14F-4D97-AF65-F5344CB8AC3E}">
-        <p14:creationId xmlns:p14="http://schemas.microsoft.com/office/powerpoint/2010/main" val="2829245195"/>
+        <p14:creationId xmlns:p14="http://schemas.microsoft.com/office/powerpoint/2010/main" val="2296258389"/>
       </p:ext>
     </p:extLst>
   </p:cSld>
   <p:clrMapOvr>
-    <a:masterClrMapping/>
+    <a:overrideClrMapping bg1="dk1" tx1="lt1" bg2="dk2" tx2="lt2" accent1="accent1" accent2="accent2" accent3="accent3" accent4="accent4" accent5="accent5" accent6="accent6" hlink="hlink" folHlink="folHlink"/>
   </p:clrMapOvr>
 </p:sldLayout>
 </file>
@@ -348,13 +387,7 @@
       </p:grpSpPr>
       <p:sp>
         <p:nvSpPr>
-          <p:cNvPr id="2" name="Title 1">
-            <a:extLst>
-              <a:ext uri="{FF2B5EF4-FFF2-40B4-BE49-F238E27FC236}">
-                <a16:creationId xmlns:a16="http://schemas.microsoft.com/office/drawing/2014/main" id="{169AC88C-2431-4472-8276-2E01BD1EF48A}"/>
-              </a:ext>
-            </a:extLst>
-          </p:cNvPr>
+          <p:cNvPr id="2" name="Title 1"/>
           <p:cNvSpPr>
             <a:spLocks noGrp="1"/>
           </p:cNvSpPr>
@@ -371,19 +404,13 @@
               <a:rPr lang="en-US"/>
               <a:t>Click to edit Master title style</a:t>
             </a:r>
-            <a:endParaRPr lang="es-MX"/>
-          </a:p>
-        </p:txBody>
-      </p:sp>
-      <p:sp>
-        <p:nvSpPr>
-          <p:cNvPr id="3" name="Vertical Text Placeholder 2">
-            <a:extLst>
-              <a:ext uri="{FF2B5EF4-FFF2-40B4-BE49-F238E27FC236}">
-                <a16:creationId xmlns:a16="http://schemas.microsoft.com/office/drawing/2014/main" id="{08D6FA93-AE68-41C2-AD9E-62A0EA1A4C66}"/>
-              </a:ext>
-            </a:extLst>
-          </p:cNvPr>
+            <a:endParaRPr lang="en-US" dirty="0"/>
+          </a:p>
+        </p:txBody>
+      </p:sp>
+      <p:sp>
+        <p:nvSpPr>
+          <p:cNvPr id="3" name="Vertical Text Placeholder 2"/>
           <p:cNvSpPr>
             <a:spLocks noGrp="1"/>
           </p:cNvSpPr>
@@ -429,19 +456,13 @@
               <a:rPr lang="en-US"/>
               <a:t>Fifth level</a:t>
             </a:r>
-            <a:endParaRPr lang="es-MX"/>
-          </a:p>
-        </p:txBody>
-      </p:sp>
-      <p:sp>
-        <p:nvSpPr>
-          <p:cNvPr id="4" name="Date Placeholder 3">
-            <a:extLst>
-              <a:ext uri="{FF2B5EF4-FFF2-40B4-BE49-F238E27FC236}">
-                <a16:creationId xmlns:a16="http://schemas.microsoft.com/office/drawing/2014/main" id="{14429304-BDA1-43C7-A6B8-8BED22AB82EF}"/>
-              </a:ext>
-            </a:extLst>
-          </p:cNvPr>
+            <a:endParaRPr lang="en-US" dirty="0"/>
+          </a:p>
+        </p:txBody>
+      </p:sp>
+      <p:sp>
+        <p:nvSpPr>
+          <p:cNvPr id="4" name="Date Placeholder 3"/>
           <p:cNvSpPr>
             <a:spLocks noGrp="1"/>
           </p:cNvSpPr>
@@ -456,7 +477,7 @@
           <a:p>
             <a:fld id="{8C95B75D-73A6-48A0-A6AB-4E09535D57A2}" type="datetimeFigureOut">
               <a:rPr lang="es-MX" smtClean="0"/>
-              <a:t>15/03/2019</a:t>
+              <a:t>20/03/2019</a:t>
             </a:fld>
             <a:endParaRPr lang="es-MX"/>
           </a:p>
@@ -464,13 +485,7 @@
       </p:sp>
       <p:sp>
         <p:nvSpPr>
-          <p:cNvPr id="5" name="Footer Placeholder 4">
-            <a:extLst>
-              <a:ext uri="{FF2B5EF4-FFF2-40B4-BE49-F238E27FC236}">
-                <a16:creationId xmlns:a16="http://schemas.microsoft.com/office/drawing/2014/main" id="{3113BC10-05CE-4329-B0B5-EC0F1AA7589B}"/>
-              </a:ext>
-            </a:extLst>
-          </p:cNvPr>
+          <p:cNvPr id="5" name="Footer Placeholder 4"/>
           <p:cNvSpPr>
             <a:spLocks noGrp="1"/>
           </p:cNvSpPr>
@@ -489,13 +504,7 @@
       </p:sp>
       <p:sp>
         <p:nvSpPr>
-          <p:cNvPr id="6" name="Slide Number Placeholder 5">
-            <a:extLst>
-              <a:ext uri="{FF2B5EF4-FFF2-40B4-BE49-F238E27FC236}">
-                <a16:creationId xmlns:a16="http://schemas.microsoft.com/office/drawing/2014/main" id="{472DBD6F-E47E-4A1C-B9BA-5AD11268A6F8}"/>
-              </a:ext>
-            </a:extLst>
-          </p:cNvPr>
+          <p:cNvPr id="6" name="Slide Number Placeholder 5"/>
           <p:cNvSpPr>
             <a:spLocks noGrp="1"/>
           </p:cNvSpPr>
@@ -516,10 +525,51 @@
           </a:p>
         </p:txBody>
       </p:sp>
+      <p:sp>
+        <p:nvSpPr>
+          <p:cNvPr id="7" name="Rectangle 6"/>
+          <p:cNvSpPr/>
+          <p:nvPr/>
+        </p:nvSpPr>
+        <p:spPr>
+          <a:xfrm>
+            <a:off x="0" y="0"/>
+            <a:ext cx="457200" cy="6858000"/>
+          </a:xfrm>
+          <a:prstGeom prst="rect">
+            <a:avLst/>
+          </a:prstGeom>
+          <a:solidFill>
+            <a:schemeClr val="tx2">
+              <a:lumMod val="60000"/>
+              <a:lumOff val="40000"/>
+            </a:schemeClr>
+          </a:solidFill>
+          <a:ln>
+            <a:noFill/>
+          </a:ln>
+        </p:spPr>
+        <p:style>
+          <a:lnRef idx="2">
+            <a:schemeClr val="accent1">
+              <a:shade val="50000"/>
+            </a:schemeClr>
+          </a:lnRef>
+          <a:fillRef idx="1">
+            <a:schemeClr val="accent1"/>
+          </a:fillRef>
+          <a:effectRef idx="0">
+            <a:schemeClr val="accent1"/>
+          </a:effectRef>
+          <a:fontRef idx="minor">
+            <a:schemeClr val="lt1"/>
+          </a:fontRef>
+        </p:style>
+      </p:sp>
     </p:spTree>
     <p:extLst>
       <p:ext uri="{BB962C8B-B14F-4D97-AF65-F5344CB8AC3E}">
-        <p14:creationId xmlns:p14="http://schemas.microsoft.com/office/powerpoint/2010/main" val="3810949861"/>
+        <p14:creationId xmlns:p14="http://schemas.microsoft.com/office/powerpoint/2010/main" val="3059019668"/>
       </p:ext>
     </p:extLst>
   </p:cSld>
@@ -548,13 +598,7 @@
       </p:grpSpPr>
       <p:sp>
         <p:nvSpPr>
-          <p:cNvPr id="2" name="Vertical Title 1">
-            <a:extLst>
-              <a:ext uri="{FF2B5EF4-FFF2-40B4-BE49-F238E27FC236}">
-                <a16:creationId xmlns:a16="http://schemas.microsoft.com/office/drawing/2014/main" id="{121F6BF0-67F8-41E6-9AE4-24D9079CD310}"/>
-              </a:ext>
-            </a:extLst>
-          </p:cNvPr>
+          <p:cNvPr id="2" name="Vertical Title 1"/>
           <p:cNvSpPr>
             <a:spLocks noGrp="1"/>
           </p:cNvSpPr>
@@ -564,8 +608,8 @@
         </p:nvSpPr>
         <p:spPr>
           <a:xfrm>
-            <a:off x="8724900" y="365125"/>
-            <a:ext cx="2628900" cy="5811838"/>
+            <a:off x="8648700" y="381000"/>
+            <a:ext cx="2476500" cy="5897562"/>
           </a:xfrm>
         </p:spPr>
         <p:txBody>
@@ -576,19 +620,13 @@
               <a:rPr lang="en-US"/>
               <a:t>Click to edit Master title style</a:t>
             </a:r>
-            <a:endParaRPr lang="es-MX"/>
-          </a:p>
-        </p:txBody>
-      </p:sp>
-      <p:sp>
-        <p:nvSpPr>
-          <p:cNvPr id="3" name="Vertical Text Placeholder 2">
-            <a:extLst>
-              <a:ext uri="{FF2B5EF4-FFF2-40B4-BE49-F238E27FC236}">
-                <a16:creationId xmlns:a16="http://schemas.microsoft.com/office/drawing/2014/main" id="{344C78A5-E516-4F80-B51E-ADC88CA44F81}"/>
-              </a:ext>
-            </a:extLst>
-          </p:cNvPr>
+            <a:endParaRPr lang="en-US" dirty="0"/>
+          </a:p>
+        </p:txBody>
+      </p:sp>
+      <p:sp>
+        <p:nvSpPr>
+          <p:cNvPr id="3" name="Vertical Text Placeholder 2"/>
           <p:cNvSpPr>
             <a:spLocks noGrp="1"/>
           </p:cNvSpPr>
@@ -598,8 +636,8 @@
         </p:nvSpPr>
         <p:spPr>
           <a:xfrm>
-            <a:off x="838200" y="365125"/>
-            <a:ext cx="7734300" cy="5811838"/>
+            <a:off x="762000" y="381000"/>
+            <a:ext cx="7734300" cy="5897562"/>
           </a:xfrm>
         </p:spPr>
         <p:txBody>
@@ -639,19 +677,13 @@
               <a:rPr lang="en-US"/>
               <a:t>Fifth level</a:t>
             </a:r>
-            <a:endParaRPr lang="es-MX"/>
-          </a:p>
-        </p:txBody>
-      </p:sp>
-      <p:sp>
-        <p:nvSpPr>
-          <p:cNvPr id="4" name="Date Placeholder 3">
-            <a:extLst>
-              <a:ext uri="{FF2B5EF4-FFF2-40B4-BE49-F238E27FC236}">
-                <a16:creationId xmlns:a16="http://schemas.microsoft.com/office/drawing/2014/main" id="{39A4968C-7B99-4A56-9115-76C19B83FD0E}"/>
-              </a:ext>
-            </a:extLst>
-          </p:cNvPr>
+            <a:endParaRPr lang="en-US" dirty="0"/>
+          </a:p>
+        </p:txBody>
+      </p:sp>
+      <p:sp>
+        <p:nvSpPr>
+          <p:cNvPr id="4" name="Date Placeholder 3"/>
           <p:cNvSpPr>
             <a:spLocks noGrp="1"/>
           </p:cNvSpPr>
@@ -666,7 +698,7 @@
           <a:p>
             <a:fld id="{8C95B75D-73A6-48A0-A6AB-4E09535D57A2}" type="datetimeFigureOut">
               <a:rPr lang="es-MX" smtClean="0"/>
-              <a:t>15/03/2019</a:t>
+              <a:t>20/03/2019</a:t>
             </a:fld>
             <a:endParaRPr lang="es-MX"/>
           </a:p>
@@ -674,13 +706,7 @@
       </p:sp>
       <p:sp>
         <p:nvSpPr>
-          <p:cNvPr id="5" name="Footer Placeholder 4">
-            <a:extLst>
-              <a:ext uri="{FF2B5EF4-FFF2-40B4-BE49-F238E27FC236}">
-                <a16:creationId xmlns:a16="http://schemas.microsoft.com/office/drawing/2014/main" id="{A929665A-A7DB-4C01-9F19-7E513502F0AA}"/>
-              </a:ext>
-            </a:extLst>
-          </p:cNvPr>
+          <p:cNvPr id="5" name="Footer Placeholder 4"/>
           <p:cNvSpPr>
             <a:spLocks noGrp="1"/>
           </p:cNvSpPr>
@@ -699,13 +725,7 @@
       </p:sp>
       <p:sp>
         <p:nvSpPr>
-          <p:cNvPr id="6" name="Slide Number Placeholder 5">
-            <a:extLst>
-              <a:ext uri="{FF2B5EF4-FFF2-40B4-BE49-F238E27FC236}">
-                <a16:creationId xmlns:a16="http://schemas.microsoft.com/office/drawing/2014/main" id="{CEC5CEB8-747C-40B6-87C2-79B7D39AE89C}"/>
-              </a:ext>
-            </a:extLst>
-          </p:cNvPr>
+          <p:cNvPr id="6" name="Slide Number Placeholder 5"/>
           <p:cNvSpPr>
             <a:spLocks noGrp="1"/>
           </p:cNvSpPr>
@@ -726,10 +746,51 @@
           </a:p>
         </p:txBody>
       </p:sp>
+      <p:sp>
+        <p:nvSpPr>
+          <p:cNvPr id="7" name="Rectangle 6"/>
+          <p:cNvSpPr/>
+          <p:nvPr/>
+        </p:nvSpPr>
+        <p:spPr>
+          <a:xfrm>
+            <a:off x="0" y="0"/>
+            <a:ext cx="457200" cy="6858000"/>
+          </a:xfrm>
+          <a:prstGeom prst="rect">
+            <a:avLst/>
+          </a:prstGeom>
+          <a:solidFill>
+            <a:schemeClr val="tx2">
+              <a:lumMod val="60000"/>
+              <a:lumOff val="40000"/>
+            </a:schemeClr>
+          </a:solidFill>
+          <a:ln>
+            <a:noFill/>
+          </a:ln>
+        </p:spPr>
+        <p:style>
+          <a:lnRef idx="2">
+            <a:schemeClr val="accent1">
+              <a:shade val="50000"/>
+            </a:schemeClr>
+          </a:lnRef>
+          <a:fillRef idx="1">
+            <a:schemeClr val="accent1"/>
+          </a:fillRef>
+          <a:effectRef idx="0">
+            <a:schemeClr val="accent1"/>
+          </a:effectRef>
+          <a:fontRef idx="minor">
+            <a:schemeClr val="lt1"/>
+          </a:fontRef>
+        </p:style>
+      </p:sp>
     </p:spTree>
     <p:extLst>
       <p:ext uri="{BB962C8B-B14F-4D97-AF65-F5344CB8AC3E}">
-        <p14:creationId xmlns:p14="http://schemas.microsoft.com/office/powerpoint/2010/main" val="3115887168"/>
+        <p14:creationId xmlns:p14="http://schemas.microsoft.com/office/powerpoint/2010/main" val="3066140918"/>
       </p:ext>
     </p:extLst>
   </p:cSld>
@@ -758,13 +819,7 @@
       </p:grpSpPr>
       <p:sp>
         <p:nvSpPr>
-          <p:cNvPr id="2" name="Title 1">
-            <a:extLst>
-              <a:ext uri="{FF2B5EF4-FFF2-40B4-BE49-F238E27FC236}">
-                <a16:creationId xmlns:a16="http://schemas.microsoft.com/office/drawing/2014/main" id="{6242AF55-EE20-4BD2-8640-27D74ADE1761}"/>
-              </a:ext>
-            </a:extLst>
-          </p:cNvPr>
+          <p:cNvPr id="2" name="Title 1"/>
           <p:cNvSpPr>
             <a:spLocks noGrp="1"/>
           </p:cNvSpPr>
@@ -781,19 +836,13 @@
               <a:rPr lang="en-US"/>
               <a:t>Click to edit Master title style</a:t>
             </a:r>
-            <a:endParaRPr lang="es-MX"/>
-          </a:p>
-        </p:txBody>
-      </p:sp>
-      <p:sp>
-        <p:nvSpPr>
-          <p:cNvPr id="3" name="Content Placeholder 2">
-            <a:extLst>
-              <a:ext uri="{FF2B5EF4-FFF2-40B4-BE49-F238E27FC236}">
-                <a16:creationId xmlns:a16="http://schemas.microsoft.com/office/drawing/2014/main" id="{D09E28D5-7EF5-46E1-9B0A-272CF5A4DEF4}"/>
-              </a:ext>
-            </a:extLst>
-          </p:cNvPr>
+            <a:endParaRPr lang="en-US" dirty="0"/>
+          </a:p>
+        </p:txBody>
+      </p:sp>
+      <p:sp>
+        <p:nvSpPr>
+          <p:cNvPr id="3" name="Content Placeholder 2"/>
           <p:cNvSpPr>
             <a:spLocks noGrp="1"/>
           </p:cNvSpPr>
@@ -839,19 +888,13 @@
               <a:rPr lang="en-US"/>
               <a:t>Fifth level</a:t>
             </a:r>
-            <a:endParaRPr lang="es-MX"/>
-          </a:p>
-        </p:txBody>
-      </p:sp>
-      <p:sp>
-        <p:nvSpPr>
-          <p:cNvPr id="4" name="Date Placeholder 3">
-            <a:extLst>
-              <a:ext uri="{FF2B5EF4-FFF2-40B4-BE49-F238E27FC236}">
-                <a16:creationId xmlns:a16="http://schemas.microsoft.com/office/drawing/2014/main" id="{3BD5B2A1-EEC0-4058-AA80-7B5C1BCBBF75}"/>
-              </a:ext>
-            </a:extLst>
-          </p:cNvPr>
+            <a:endParaRPr lang="en-US" dirty="0"/>
+          </a:p>
+        </p:txBody>
+      </p:sp>
+      <p:sp>
+        <p:nvSpPr>
+          <p:cNvPr id="4" name="Date Placeholder 3"/>
           <p:cNvSpPr>
             <a:spLocks noGrp="1"/>
           </p:cNvSpPr>
@@ -866,7 +909,7 @@
           <a:p>
             <a:fld id="{8C95B75D-73A6-48A0-A6AB-4E09535D57A2}" type="datetimeFigureOut">
               <a:rPr lang="es-MX" smtClean="0"/>
-              <a:t>15/03/2019</a:t>
+              <a:t>20/03/2019</a:t>
             </a:fld>
             <a:endParaRPr lang="es-MX"/>
           </a:p>
@@ -874,13 +917,7 @@
       </p:sp>
       <p:sp>
         <p:nvSpPr>
-          <p:cNvPr id="5" name="Footer Placeholder 4">
-            <a:extLst>
-              <a:ext uri="{FF2B5EF4-FFF2-40B4-BE49-F238E27FC236}">
-                <a16:creationId xmlns:a16="http://schemas.microsoft.com/office/drawing/2014/main" id="{1BA7325E-572F-4A42-BA9A-4DC638913C75}"/>
-              </a:ext>
-            </a:extLst>
-          </p:cNvPr>
+          <p:cNvPr id="5" name="Footer Placeholder 4"/>
           <p:cNvSpPr>
             <a:spLocks noGrp="1"/>
           </p:cNvSpPr>
@@ -899,13 +936,7 @@
       </p:sp>
       <p:sp>
         <p:nvSpPr>
-          <p:cNvPr id="6" name="Slide Number Placeholder 5">
-            <a:extLst>
-              <a:ext uri="{FF2B5EF4-FFF2-40B4-BE49-F238E27FC236}">
-                <a16:creationId xmlns:a16="http://schemas.microsoft.com/office/drawing/2014/main" id="{4D831DAC-49F2-4D28-9D72-B28EFEEF12D0}"/>
-              </a:ext>
-            </a:extLst>
-          </p:cNvPr>
+          <p:cNvPr id="6" name="Slide Number Placeholder 5"/>
           <p:cNvSpPr>
             <a:spLocks noGrp="1"/>
           </p:cNvSpPr>
@@ -926,10 +957,51 @@
           </a:p>
         </p:txBody>
       </p:sp>
+      <p:sp>
+        <p:nvSpPr>
+          <p:cNvPr id="8" name="Rectangle 7"/>
+          <p:cNvSpPr/>
+          <p:nvPr/>
+        </p:nvSpPr>
+        <p:spPr>
+          <a:xfrm>
+            <a:off x="0" y="0"/>
+            <a:ext cx="457200" cy="6858000"/>
+          </a:xfrm>
+          <a:prstGeom prst="rect">
+            <a:avLst/>
+          </a:prstGeom>
+          <a:solidFill>
+            <a:schemeClr val="tx2">
+              <a:lumMod val="60000"/>
+              <a:lumOff val="40000"/>
+            </a:schemeClr>
+          </a:solidFill>
+          <a:ln>
+            <a:noFill/>
+          </a:ln>
+        </p:spPr>
+        <p:style>
+          <a:lnRef idx="2">
+            <a:schemeClr val="accent1">
+              <a:shade val="50000"/>
+            </a:schemeClr>
+          </a:lnRef>
+          <a:fillRef idx="1">
+            <a:schemeClr val="accent1"/>
+          </a:fillRef>
+          <a:effectRef idx="0">
+            <a:schemeClr val="accent1"/>
+          </a:effectRef>
+          <a:fontRef idx="minor">
+            <a:schemeClr val="lt1"/>
+          </a:fontRef>
+        </p:style>
+      </p:sp>
     </p:spTree>
     <p:extLst>
       <p:ext uri="{BB962C8B-B14F-4D97-AF65-F5344CB8AC3E}">
-        <p14:creationId xmlns:p14="http://schemas.microsoft.com/office/powerpoint/2010/main" val="2991575910"/>
+        <p14:creationId xmlns:p14="http://schemas.microsoft.com/office/powerpoint/2010/main" val="2827730544"/>
       </p:ext>
     </p:extLst>
   </p:cSld>
@@ -958,13 +1030,7 @@
       </p:grpSpPr>
       <p:sp>
         <p:nvSpPr>
-          <p:cNvPr id="2" name="Title 1">
-            <a:extLst>
-              <a:ext uri="{FF2B5EF4-FFF2-40B4-BE49-F238E27FC236}">
-                <a16:creationId xmlns:a16="http://schemas.microsoft.com/office/drawing/2014/main" id="{B931DFFE-2DE9-4329-9AB7-CED03ACA6616}"/>
-              </a:ext>
-            </a:extLst>
-          </p:cNvPr>
+          <p:cNvPr id="2" name="Title 1"/>
           <p:cNvSpPr>
             <a:spLocks noGrp="1"/>
           </p:cNvSpPr>
@@ -974,15 +1040,20 @@
         </p:nvSpPr>
         <p:spPr>
           <a:xfrm>
-            <a:off x="831850" y="1709738"/>
-            <a:ext cx="10515600" cy="2852737"/>
+            <a:off x="1261872" y="758952"/>
+            <a:ext cx="9418320" cy="4041648"/>
           </a:xfrm>
         </p:spPr>
         <p:txBody>
-          <a:bodyPr anchor="b"/>
+          <a:bodyPr anchor="b">
+            <a:normAutofit/>
+          </a:bodyPr>
           <a:lstStyle>
             <a:lvl1pPr>
-              <a:defRPr sz="6000"/>
+              <a:lnSpc>
+                <a:spcPct val="85000"/>
+              </a:lnSpc>
+              <a:defRPr sz="7200" b="1"/>
             </a:lvl1pPr>
           </a:lstStyle>
           <a:p>
@@ -990,19 +1061,13 @@
               <a:rPr lang="en-US"/>
               <a:t>Click to edit Master title style</a:t>
             </a:r>
-            <a:endParaRPr lang="es-MX"/>
-          </a:p>
-        </p:txBody>
-      </p:sp>
-      <p:sp>
-        <p:nvSpPr>
-          <p:cNvPr id="3" name="Text Placeholder 2">
-            <a:extLst>
-              <a:ext uri="{FF2B5EF4-FFF2-40B4-BE49-F238E27FC236}">
-                <a16:creationId xmlns:a16="http://schemas.microsoft.com/office/drawing/2014/main" id="{B26EB7B6-7BBC-4024-9AD2-85BF3557639B}"/>
-              </a:ext>
-            </a:extLst>
-          </p:cNvPr>
+            <a:endParaRPr lang="en-US" dirty="0"/>
+          </a:p>
+        </p:txBody>
+      </p:sp>
+      <p:sp>
+        <p:nvSpPr>
+          <p:cNvPr id="3" name="Text Placeholder 2"/>
           <p:cNvSpPr>
             <a:spLocks noGrp="1"/>
           </p:cNvSpPr>
@@ -1012,26 +1077,29 @@
         </p:nvSpPr>
         <p:spPr>
           <a:xfrm>
-            <a:off x="831850" y="4589463"/>
-            <a:ext cx="10515600" cy="1500187"/>
+            <a:off x="1261872" y="4800600"/>
+            <a:ext cx="9418320" cy="1691640"/>
           </a:xfrm>
         </p:spPr>
         <p:txBody>
-          <a:bodyPr/>
+          <a:bodyPr anchor="t">
+            <a:normAutofit/>
+          </a:bodyPr>
           <a:lstStyle>
             <a:lvl1pPr marL="0" indent="0">
               <a:buNone/>
-              <a:defRPr sz="2400">
+              <a:defRPr sz="2200" spc="30" baseline="0">
                 <a:solidFill>
                   <a:schemeClr val="tx1">
-                    <a:tint val="75000"/>
+                    <a:lumMod val="50000"/>
+                    <a:lumOff val="50000"/>
                   </a:schemeClr>
                 </a:solidFill>
               </a:defRPr>
             </a:lvl1pPr>
             <a:lvl2pPr marL="457200" indent="0">
               <a:buNone/>
-              <a:defRPr sz="2000">
+              <a:defRPr sz="1800">
                 <a:solidFill>
                   <a:schemeClr val="tx1">
                     <a:tint val="75000"/>
@@ -1041,7 +1109,7 @@
             </a:lvl2pPr>
             <a:lvl3pPr marL="914400" indent="0">
               <a:buNone/>
-              <a:defRPr sz="1800">
+              <a:defRPr sz="1600">
                 <a:solidFill>
                   <a:schemeClr val="tx1">
                     <a:tint val="75000"/>
@@ -1051,7 +1119,7 @@
             </a:lvl3pPr>
             <a:lvl4pPr marL="1371600" indent="0">
               <a:buNone/>
-              <a:defRPr sz="1600">
+              <a:defRPr sz="1400">
                 <a:solidFill>
                   <a:schemeClr val="tx1">
                     <a:tint val="75000"/>
@@ -1061,7 +1129,7 @@
             </a:lvl4pPr>
             <a:lvl5pPr marL="1828800" indent="0">
               <a:buNone/>
-              <a:defRPr sz="1600">
+              <a:defRPr sz="1400">
                 <a:solidFill>
                   <a:schemeClr val="tx1">
                     <a:tint val="75000"/>
@@ -1071,7 +1139,7 @@
             </a:lvl5pPr>
             <a:lvl6pPr marL="2286000" indent="0">
               <a:buNone/>
-              <a:defRPr sz="1600">
+              <a:defRPr sz="1400">
                 <a:solidFill>
                   <a:schemeClr val="tx1">
                     <a:tint val="75000"/>
@@ -1081,7 +1149,7 @@
             </a:lvl6pPr>
             <a:lvl7pPr marL="2743200" indent="0">
               <a:buNone/>
-              <a:defRPr sz="1600">
+              <a:defRPr sz="1400">
                 <a:solidFill>
                   <a:schemeClr val="tx1">
                     <a:tint val="75000"/>
@@ -1091,7 +1159,7 @@
             </a:lvl7pPr>
             <a:lvl8pPr marL="3200400" indent="0">
               <a:buNone/>
-              <a:defRPr sz="1600">
+              <a:defRPr sz="1400">
                 <a:solidFill>
                   <a:schemeClr val="tx1">
                     <a:tint val="75000"/>
@@ -1101,7 +1169,7 @@
             </a:lvl8pPr>
             <a:lvl9pPr marL="3657600" indent="0">
               <a:buNone/>
-              <a:defRPr sz="1600">
+              <a:defRPr sz="1400">
                 <a:solidFill>
                   <a:schemeClr val="tx1">
                     <a:tint val="75000"/>
@@ -1121,13 +1189,7 @@
       </p:sp>
       <p:sp>
         <p:nvSpPr>
-          <p:cNvPr id="4" name="Date Placeholder 3">
-            <a:extLst>
-              <a:ext uri="{FF2B5EF4-FFF2-40B4-BE49-F238E27FC236}">
-                <a16:creationId xmlns:a16="http://schemas.microsoft.com/office/drawing/2014/main" id="{222EEEF4-FF80-4D53-A97B-B7BEA1EB001B}"/>
-              </a:ext>
-            </a:extLst>
-          </p:cNvPr>
+          <p:cNvPr id="4" name="Date Placeholder 3"/>
           <p:cNvSpPr>
             <a:spLocks noGrp="1"/>
           </p:cNvSpPr>
@@ -1142,7 +1204,7 @@
           <a:p>
             <a:fld id="{8C95B75D-73A6-48A0-A6AB-4E09535D57A2}" type="datetimeFigureOut">
               <a:rPr lang="es-MX" smtClean="0"/>
-              <a:t>15/03/2019</a:t>
+              <a:t>20/03/2019</a:t>
             </a:fld>
             <a:endParaRPr lang="es-MX"/>
           </a:p>
@@ -1150,13 +1212,7 @@
       </p:sp>
       <p:sp>
         <p:nvSpPr>
-          <p:cNvPr id="5" name="Footer Placeholder 4">
-            <a:extLst>
-              <a:ext uri="{FF2B5EF4-FFF2-40B4-BE49-F238E27FC236}">
-                <a16:creationId xmlns:a16="http://schemas.microsoft.com/office/drawing/2014/main" id="{A827E6BE-DA16-4598-A534-74E63BD21B44}"/>
-              </a:ext>
-            </a:extLst>
-          </p:cNvPr>
+          <p:cNvPr id="5" name="Footer Placeholder 4"/>
           <p:cNvSpPr>
             <a:spLocks noGrp="1"/>
           </p:cNvSpPr>
@@ -1175,13 +1231,7 @@
       </p:sp>
       <p:sp>
         <p:nvSpPr>
-          <p:cNvPr id="6" name="Slide Number Placeholder 5">
-            <a:extLst>
-              <a:ext uri="{FF2B5EF4-FFF2-40B4-BE49-F238E27FC236}">
-                <a16:creationId xmlns:a16="http://schemas.microsoft.com/office/drawing/2014/main" id="{1B5EAA1B-3CB3-4EA2-ADFD-6217ECDD596D}"/>
-              </a:ext>
-            </a:extLst>
-          </p:cNvPr>
+          <p:cNvPr id="6" name="Slide Number Placeholder 5"/>
           <p:cNvSpPr>
             <a:spLocks noGrp="1"/>
           </p:cNvSpPr>
@@ -1202,10 +1252,51 @@
           </a:p>
         </p:txBody>
       </p:sp>
+      <p:sp>
+        <p:nvSpPr>
+          <p:cNvPr id="8" name="Rectangle 7"/>
+          <p:cNvSpPr/>
+          <p:nvPr/>
+        </p:nvSpPr>
+        <p:spPr>
+          <a:xfrm>
+            <a:off x="0" y="0"/>
+            <a:ext cx="457200" cy="6858000"/>
+          </a:xfrm>
+          <a:prstGeom prst="rect">
+            <a:avLst/>
+          </a:prstGeom>
+          <a:solidFill>
+            <a:schemeClr val="tx2">
+              <a:lumMod val="60000"/>
+              <a:lumOff val="40000"/>
+            </a:schemeClr>
+          </a:solidFill>
+          <a:ln>
+            <a:noFill/>
+          </a:ln>
+        </p:spPr>
+        <p:style>
+          <a:lnRef idx="2">
+            <a:schemeClr val="accent1">
+              <a:shade val="50000"/>
+            </a:schemeClr>
+          </a:lnRef>
+          <a:fillRef idx="1">
+            <a:schemeClr val="accent1"/>
+          </a:fillRef>
+          <a:effectRef idx="0">
+            <a:schemeClr val="accent1"/>
+          </a:effectRef>
+          <a:fontRef idx="minor">
+            <a:schemeClr val="lt1"/>
+          </a:fontRef>
+        </p:style>
+      </p:sp>
     </p:spTree>
     <p:extLst>
       <p:ext uri="{BB962C8B-B14F-4D97-AF65-F5344CB8AC3E}">
-        <p14:creationId xmlns:p14="http://schemas.microsoft.com/office/powerpoint/2010/main" val="1150610630"/>
+        <p14:creationId xmlns:p14="http://schemas.microsoft.com/office/powerpoint/2010/main" val="3290947182"/>
       </p:ext>
     </p:extLst>
   </p:cSld>
@@ -1234,13 +1325,7 @@
       </p:grpSpPr>
       <p:sp>
         <p:nvSpPr>
-          <p:cNvPr id="2" name="Title 1">
-            <a:extLst>
-              <a:ext uri="{FF2B5EF4-FFF2-40B4-BE49-F238E27FC236}">
-                <a16:creationId xmlns:a16="http://schemas.microsoft.com/office/drawing/2014/main" id="{E6F86093-2AF3-4590-A7BD-F0FEB4C8EAFF}"/>
-              </a:ext>
-            </a:extLst>
-          </p:cNvPr>
+          <p:cNvPr id="2" name="Title 1"/>
           <p:cNvSpPr>
             <a:spLocks noGrp="1"/>
           </p:cNvSpPr>
@@ -1257,19 +1342,13 @@
               <a:rPr lang="en-US"/>
               <a:t>Click to edit Master title style</a:t>
             </a:r>
-            <a:endParaRPr lang="es-MX"/>
-          </a:p>
-        </p:txBody>
-      </p:sp>
-      <p:sp>
-        <p:nvSpPr>
-          <p:cNvPr id="3" name="Content Placeholder 2">
-            <a:extLst>
-              <a:ext uri="{FF2B5EF4-FFF2-40B4-BE49-F238E27FC236}">
-                <a16:creationId xmlns:a16="http://schemas.microsoft.com/office/drawing/2014/main" id="{722CB4E1-E585-4844-83E1-AD335441CFE3}"/>
-              </a:ext>
-            </a:extLst>
-          </p:cNvPr>
+            <a:endParaRPr lang="en-US" dirty="0"/>
+          </a:p>
+        </p:txBody>
+      </p:sp>
+      <p:sp>
+        <p:nvSpPr>
+          <p:cNvPr id="3" name="Content Placeholder 2"/>
           <p:cNvSpPr>
             <a:spLocks noGrp="1"/>
           </p:cNvSpPr>
@@ -1279,13 +1358,41 @@
         </p:nvSpPr>
         <p:spPr>
           <a:xfrm>
-            <a:off x="838200" y="1825625"/>
-            <a:ext cx="5181600" cy="4351338"/>
+            <a:off x="1261872" y="1828800"/>
+            <a:ext cx="4480560" cy="4351337"/>
           </a:xfrm>
         </p:spPr>
         <p:txBody>
           <a:bodyPr/>
-          <a:lstStyle/>
+          <a:lstStyle>
+            <a:lvl1pPr>
+              <a:defRPr sz="2000"/>
+            </a:lvl1pPr>
+            <a:lvl2pPr>
+              <a:defRPr sz="1800"/>
+            </a:lvl2pPr>
+            <a:lvl3pPr>
+              <a:defRPr sz="1600"/>
+            </a:lvl3pPr>
+            <a:lvl4pPr>
+              <a:defRPr sz="1400"/>
+            </a:lvl4pPr>
+            <a:lvl5pPr>
+              <a:defRPr sz="1400"/>
+            </a:lvl5pPr>
+            <a:lvl6pPr>
+              <a:defRPr sz="1400"/>
+            </a:lvl6pPr>
+            <a:lvl7pPr>
+              <a:defRPr sz="1400"/>
+            </a:lvl7pPr>
+            <a:lvl8pPr>
+              <a:defRPr sz="1400"/>
+            </a:lvl8pPr>
+            <a:lvl9pPr>
+              <a:defRPr sz="1400"/>
+            </a:lvl9pPr>
+          </a:lstStyle>
           <a:p>
             <a:pPr lvl="0"/>
             <a:r>
@@ -1320,19 +1427,13 @@
               <a:rPr lang="en-US"/>
               <a:t>Fifth level</a:t>
             </a:r>
-            <a:endParaRPr lang="es-MX"/>
-          </a:p>
-        </p:txBody>
-      </p:sp>
-      <p:sp>
-        <p:nvSpPr>
-          <p:cNvPr id="4" name="Content Placeholder 3">
-            <a:extLst>
-              <a:ext uri="{FF2B5EF4-FFF2-40B4-BE49-F238E27FC236}">
-                <a16:creationId xmlns:a16="http://schemas.microsoft.com/office/drawing/2014/main" id="{CA8F453A-F86A-49B9-A898-88AED6D74E00}"/>
-              </a:ext>
-            </a:extLst>
-          </p:cNvPr>
+            <a:endParaRPr lang="en-US" dirty="0"/>
+          </a:p>
+        </p:txBody>
+      </p:sp>
+      <p:sp>
+        <p:nvSpPr>
+          <p:cNvPr id="4" name="Content Placeholder 3"/>
           <p:cNvSpPr>
             <a:spLocks noGrp="1"/>
           </p:cNvSpPr>
@@ -1342,13 +1443,41 @@
         </p:nvSpPr>
         <p:spPr>
           <a:xfrm>
-            <a:off x="6172200" y="1825625"/>
-            <a:ext cx="5181600" cy="4351338"/>
+            <a:off x="6126480" y="1828800"/>
+            <a:ext cx="4480560" cy="4351337"/>
           </a:xfrm>
         </p:spPr>
         <p:txBody>
           <a:bodyPr/>
-          <a:lstStyle/>
+          <a:lstStyle>
+            <a:lvl1pPr>
+              <a:defRPr sz="2000"/>
+            </a:lvl1pPr>
+            <a:lvl2pPr>
+              <a:defRPr sz="1800"/>
+            </a:lvl2pPr>
+            <a:lvl3pPr>
+              <a:defRPr sz="1600"/>
+            </a:lvl3pPr>
+            <a:lvl4pPr>
+              <a:defRPr sz="1400"/>
+            </a:lvl4pPr>
+            <a:lvl5pPr>
+              <a:defRPr sz="1400"/>
+            </a:lvl5pPr>
+            <a:lvl6pPr>
+              <a:defRPr sz="1400"/>
+            </a:lvl6pPr>
+            <a:lvl7pPr>
+              <a:defRPr sz="1400"/>
+            </a:lvl7pPr>
+            <a:lvl8pPr>
+              <a:defRPr sz="1400"/>
+            </a:lvl8pPr>
+            <a:lvl9pPr>
+              <a:defRPr sz="1400"/>
+            </a:lvl9pPr>
+          </a:lstStyle>
           <a:p>
             <a:pPr lvl="0"/>
             <a:r>
@@ -1383,19 +1512,13 @@
               <a:rPr lang="en-US"/>
               <a:t>Fifth level</a:t>
             </a:r>
-            <a:endParaRPr lang="es-MX"/>
-          </a:p>
-        </p:txBody>
-      </p:sp>
-      <p:sp>
-        <p:nvSpPr>
-          <p:cNvPr id="5" name="Date Placeholder 4">
-            <a:extLst>
-              <a:ext uri="{FF2B5EF4-FFF2-40B4-BE49-F238E27FC236}">
-                <a16:creationId xmlns:a16="http://schemas.microsoft.com/office/drawing/2014/main" id="{27198AA9-8703-45B3-9057-895268161921}"/>
-              </a:ext>
-            </a:extLst>
-          </p:cNvPr>
+            <a:endParaRPr lang="en-US" dirty="0"/>
+          </a:p>
+        </p:txBody>
+      </p:sp>
+      <p:sp>
+        <p:nvSpPr>
+          <p:cNvPr id="5" name="Date Placeholder 4"/>
           <p:cNvSpPr>
             <a:spLocks noGrp="1"/>
           </p:cNvSpPr>
@@ -1410,7 +1533,7 @@
           <a:p>
             <a:fld id="{8C95B75D-73A6-48A0-A6AB-4E09535D57A2}" type="datetimeFigureOut">
               <a:rPr lang="es-MX" smtClean="0"/>
-              <a:t>15/03/2019</a:t>
+              <a:t>20/03/2019</a:t>
             </a:fld>
             <a:endParaRPr lang="es-MX"/>
           </a:p>
@@ -1418,13 +1541,7 @@
       </p:sp>
       <p:sp>
         <p:nvSpPr>
-          <p:cNvPr id="6" name="Footer Placeholder 5">
-            <a:extLst>
-              <a:ext uri="{FF2B5EF4-FFF2-40B4-BE49-F238E27FC236}">
-                <a16:creationId xmlns:a16="http://schemas.microsoft.com/office/drawing/2014/main" id="{3431D89B-2552-4264-A10F-8DC48C292E14}"/>
-              </a:ext>
-            </a:extLst>
-          </p:cNvPr>
+          <p:cNvPr id="6" name="Footer Placeholder 5"/>
           <p:cNvSpPr>
             <a:spLocks noGrp="1"/>
           </p:cNvSpPr>
@@ -1443,13 +1560,7 @@
       </p:sp>
       <p:sp>
         <p:nvSpPr>
-          <p:cNvPr id="7" name="Slide Number Placeholder 6">
-            <a:extLst>
-              <a:ext uri="{FF2B5EF4-FFF2-40B4-BE49-F238E27FC236}">
-                <a16:creationId xmlns:a16="http://schemas.microsoft.com/office/drawing/2014/main" id="{3720804F-CC42-4893-B275-E1C67922D6DA}"/>
-              </a:ext>
-            </a:extLst>
-          </p:cNvPr>
+          <p:cNvPr id="7" name="Slide Number Placeholder 6"/>
           <p:cNvSpPr>
             <a:spLocks noGrp="1"/>
           </p:cNvSpPr>
@@ -1470,10 +1581,51 @@
           </a:p>
         </p:txBody>
       </p:sp>
+      <p:sp>
+        <p:nvSpPr>
+          <p:cNvPr id="8" name="Rectangle 7"/>
+          <p:cNvSpPr/>
+          <p:nvPr/>
+        </p:nvSpPr>
+        <p:spPr>
+          <a:xfrm>
+            <a:off x="0" y="0"/>
+            <a:ext cx="457200" cy="6858000"/>
+          </a:xfrm>
+          <a:prstGeom prst="rect">
+            <a:avLst/>
+          </a:prstGeom>
+          <a:solidFill>
+            <a:schemeClr val="tx2">
+              <a:lumMod val="60000"/>
+              <a:lumOff val="40000"/>
+            </a:schemeClr>
+          </a:solidFill>
+          <a:ln>
+            <a:noFill/>
+          </a:ln>
+        </p:spPr>
+        <p:style>
+          <a:lnRef idx="2">
+            <a:schemeClr val="accent1">
+              <a:shade val="50000"/>
+            </a:schemeClr>
+          </a:lnRef>
+          <a:fillRef idx="1">
+            <a:schemeClr val="accent1"/>
+          </a:fillRef>
+          <a:effectRef idx="0">
+            <a:schemeClr val="accent1"/>
+          </a:effectRef>
+          <a:fontRef idx="minor">
+            <a:schemeClr val="lt1"/>
+          </a:fontRef>
+        </p:style>
+      </p:sp>
     </p:spTree>
     <p:extLst>
       <p:ext uri="{BB962C8B-B14F-4D97-AF65-F5344CB8AC3E}">
-        <p14:creationId xmlns:p14="http://schemas.microsoft.com/office/powerpoint/2010/main" val="3997661028"/>
+        <p14:creationId xmlns:p14="http://schemas.microsoft.com/office/powerpoint/2010/main" val="1838397455"/>
       </p:ext>
     </p:extLst>
   </p:cSld>
@@ -1502,66 +1654,58 @@
       </p:grpSpPr>
       <p:sp>
         <p:nvSpPr>
-          <p:cNvPr id="2" name="Title 1">
-            <a:extLst>
-              <a:ext uri="{FF2B5EF4-FFF2-40B4-BE49-F238E27FC236}">
-                <a16:creationId xmlns:a16="http://schemas.microsoft.com/office/drawing/2014/main" id="{11D43C0F-BB4C-4F3D-AD47-7284F9DB95C4}"/>
-              </a:ext>
-            </a:extLst>
-          </p:cNvPr>
+          <p:cNvPr id="10" name="Title 9"/>
           <p:cNvSpPr>
             <a:spLocks noGrp="1"/>
           </p:cNvSpPr>
           <p:nvPr>
             <p:ph type="title"/>
+          </p:nvPr>
+        </p:nvSpPr>
+        <p:spPr/>
+        <p:txBody>
+          <a:bodyPr/>
+          <a:lstStyle/>
+          <a:p>
+            <a:r>
+              <a:rPr lang="en-US"/>
+              <a:t>Click to edit Master title style</a:t>
+            </a:r>
+            <a:endParaRPr lang="en-US" dirty="0"/>
+          </a:p>
+        </p:txBody>
+      </p:sp>
+      <p:sp>
+        <p:nvSpPr>
+          <p:cNvPr id="3" name="Text Placeholder 2"/>
+          <p:cNvSpPr>
+            <a:spLocks noGrp="1"/>
+          </p:cNvSpPr>
+          <p:nvPr>
+            <p:ph type="body" idx="1"/>
           </p:nvPr>
         </p:nvSpPr>
         <p:spPr>
           <a:xfrm>
-            <a:off x="839788" y="365125"/>
-            <a:ext cx="10515600" cy="1325563"/>
+            <a:off x="1261872" y="1713655"/>
+            <a:ext cx="4480560" cy="731520"/>
           </a:xfrm>
         </p:spPr>
         <p:txBody>
-          <a:bodyPr/>
-          <a:lstStyle/>
-          <a:p>
-            <a:r>
-              <a:rPr lang="en-US"/>
-              <a:t>Click to edit Master title style</a:t>
-            </a:r>
-            <a:endParaRPr lang="es-MX"/>
-          </a:p>
-        </p:txBody>
-      </p:sp>
-      <p:sp>
-        <p:nvSpPr>
-          <p:cNvPr id="3" name="Text Placeholder 2">
-            <a:extLst>
-              <a:ext uri="{FF2B5EF4-FFF2-40B4-BE49-F238E27FC236}">
-                <a16:creationId xmlns:a16="http://schemas.microsoft.com/office/drawing/2014/main" id="{778129E8-744F-4E27-B614-3B5DF84D016A}"/>
-              </a:ext>
-            </a:extLst>
-          </p:cNvPr>
-          <p:cNvSpPr>
-            <a:spLocks noGrp="1"/>
-          </p:cNvSpPr>
-          <p:nvPr>
-            <p:ph type="body" idx="1"/>
-          </p:nvPr>
-        </p:nvSpPr>
-        <p:spPr>
-          <a:xfrm>
-            <a:off x="839788" y="1681163"/>
-            <a:ext cx="5157787" cy="823912"/>
-          </a:xfrm>
-        </p:spPr>
-        <p:txBody>
-          <a:bodyPr anchor="b"/>
+          <a:bodyPr anchor="b">
+            <a:normAutofit/>
+          </a:bodyPr>
           <a:lstStyle>
             <a:lvl1pPr marL="0" indent="0">
-              <a:buNone/>
-              <a:defRPr sz="2400" b="1"/>
+              <a:spcBef>
+                <a:spcPts val="0"/>
+              </a:spcBef>
+              <a:buNone/>
+              <a:defRPr sz="2000" b="0">
+                <a:solidFill>
+                  <a:schemeClr val="tx2"/>
+                </a:solidFill>
+              </a:defRPr>
             </a:lvl1pPr>
             <a:lvl2pPr marL="457200" indent="0">
               <a:buNone/>
@@ -1607,13 +1751,7 @@
       </p:sp>
       <p:sp>
         <p:nvSpPr>
-          <p:cNvPr id="4" name="Content Placeholder 3">
-            <a:extLst>
-              <a:ext uri="{FF2B5EF4-FFF2-40B4-BE49-F238E27FC236}">
-                <a16:creationId xmlns:a16="http://schemas.microsoft.com/office/drawing/2014/main" id="{08BC7B59-22FF-40F0-ADC8-D33F2BE77AEB}"/>
-              </a:ext>
-            </a:extLst>
-          </p:cNvPr>
+          <p:cNvPr id="4" name="Content Placeholder 3"/>
           <p:cNvSpPr>
             <a:spLocks noGrp="1"/>
           </p:cNvSpPr>
@@ -1623,13 +1761,41 @@
         </p:nvSpPr>
         <p:spPr>
           <a:xfrm>
-            <a:off x="839788" y="2505075"/>
-            <a:ext cx="5157787" cy="3684588"/>
+            <a:off x="1261872" y="2507550"/>
+            <a:ext cx="4480560" cy="3664650"/>
           </a:xfrm>
         </p:spPr>
         <p:txBody>
           <a:bodyPr/>
-          <a:lstStyle/>
+          <a:lstStyle>
+            <a:lvl1pPr>
+              <a:defRPr sz="1800"/>
+            </a:lvl1pPr>
+            <a:lvl2pPr>
+              <a:defRPr sz="1600"/>
+            </a:lvl2pPr>
+            <a:lvl3pPr>
+              <a:defRPr sz="1400"/>
+            </a:lvl3pPr>
+            <a:lvl4pPr>
+              <a:defRPr sz="1400"/>
+            </a:lvl4pPr>
+            <a:lvl5pPr>
+              <a:defRPr sz="1400"/>
+            </a:lvl5pPr>
+            <a:lvl6pPr>
+              <a:defRPr sz="1400"/>
+            </a:lvl6pPr>
+            <a:lvl7pPr>
+              <a:defRPr sz="1400"/>
+            </a:lvl7pPr>
+            <a:lvl8pPr>
+              <a:defRPr sz="1400"/>
+            </a:lvl8pPr>
+            <a:lvl9pPr>
+              <a:defRPr sz="1400"/>
+            </a:lvl9pPr>
+          </a:lstStyle>
           <a:p>
             <a:pPr lvl="0"/>
             <a:r>
@@ -1664,19 +1830,13 @@
               <a:rPr lang="en-US"/>
               <a:t>Fifth level</a:t>
             </a:r>
-            <a:endParaRPr lang="es-MX"/>
-          </a:p>
-        </p:txBody>
-      </p:sp>
-      <p:sp>
-        <p:nvSpPr>
-          <p:cNvPr id="5" name="Text Placeholder 4">
-            <a:extLst>
-              <a:ext uri="{FF2B5EF4-FFF2-40B4-BE49-F238E27FC236}">
-                <a16:creationId xmlns:a16="http://schemas.microsoft.com/office/drawing/2014/main" id="{7ACC8A18-9527-4D42-8906-D23D8301E2F2}"/>
-              </a:ext>
-            </a:extLst>
-          </p:cNvPr>
+            <a:endParaRPr lang="en-US" dirty="0"/>
+          </a:p>
+        </p:txBody>
+      </p:sp>
+      <p:sp>
+        <p:nvSpPr>
+          <p:cNvPr id="5" name="Text Placeholder 4"/>
           <p:cNvSpPr>
             <a:spLocks noGrp="1"/>
           </p:cNvSpPr>
@@ -1686,16 +1846,31 @@
         </p:nvSpPr>
         <p:spPr>
           <a:xfrm>
-            <a:off x="6172200" y="1681163"/>
-            <a:ext cx="5183188" cy="823912"/>
+            <a:off x="6126480" y="1713655"/>
+            <a:ext cx="4480560" cy="731520"/>
           </a:xfrm>
         </p:spPr>
         <p:txBody>
-          <a:bodyPr anchor="b"/>
+          <a:bodyPr anchor="b">
+            <a:normAutofit/>
+          </a:bodyPr>
           <a:lstStyle>
             <a:lvl1pPr marL="0" indent="0">
-              <a:buNone/>
-              <a:defRPr sz="2400" b="1"/>
+              <a:lnSpc>
+                <a:spcPct val="95000"/>
+              </a:lnSpc>
+              <a:spcBef>
+                <a:spcPts val="0"/>
+              </a:spcBef>
+              <a:buNone/>
+              <a:defRPr lang="en-US" sz="2000" b="0" kern="1200" dirty="0">
+                <a:solidFill>
+                  <a:schemeClr val="tx2"/>
+                </a:solidFill>
+                <a:latin typeface="+mn-lt"/>
+                <a:ea typeface="+mn-ea"/>
+                <a:cs typeface="+mn-cs"/>
+              </a:defRPr>
             </a:lvl1pPr>
             <a:lvl2pPr marL="457200" indent="0">
               <a:buNone/>
@@ -1731,7 +1906,16 @@
             </a:lvl9pPr>
           </a:lstStyle>
           <a:p>
-            <a:pPr lvl="0"/>
+            <a:pPr marL="0" lvl="0" indent="0" algn="l" defTabSz="914400" rtl="0" eaLnBrk="1" latinLnBrk="0" hangingPunct="1">
+              <a:lnSpc>
+                <a:spcPct val="90000"/>
+              </a:lnSpc>
+              <a:spcBef>
+                <a:spcPts val="2000"/>
+              </a:spcBef>
+              <a:buFontTx/>
+              <a:buNone/>
+            </a:pPr>
             <a:r>
               <a:rPr lang="en-US"/>
               <a:t>Click to edit Master text styles</a:t>
@@ -1741,13 +1925,7 @@
       </p:sp>
       <p:sp>
         <p:nvSpPr>
-          <p:cNvPr id="6" name="Content Placeholder 5">
-            <a:extLst>
-              <a:ext uri="{FF2B5EF4-FFF2-40B4-BE49-F238E27FC236}">
-                <a16:creationId xmlns:a16="http://schemas.microsoft.com/office/drawing/2014/main" id="{AB0F19BE-CB3C-427D-ADF2-DDEC252869D1}"/>
-              </a:ext>
-            </a:extLst>
-          </p:cNvPr>
+          <p:cNvPr id="6" name="Content Placeholder 5"/>
           <p:cNvSpPr>
             <a:spLocks noGrp="1"/>
           </p:cNvSpPr>
@@ -1757,13 +1935,41 @@
         </p:nvSpPr>
         <p:spPr>
           <a:xfrm>
-            <a:off x="6172200" y="2505075"/>
-            <a:ext cx="5183188" cy="3684588"/>
+            <a:off x="6126480" y="2507550"/>
+            <a:ext cx="4480560" cy="3664650"/>
           </a:xfrm>
         </p:spPr>
         <p:txBody>
           <a:bodyPr/>
-          <a:lstStyle/>
+          <a:lstStyle>
+            <a:lvl1pPr>
+              <a:defRPr sz="1800"/>
+            </a:lvl1pPr>
+            <a:lvl2pPr>
+              <a:defRPr sz="1600"/>
+            </a:lvl2pPr>
+            <a:lvl3pPr>
+              <a:defRPr sz="1400"/>
+            </a:lvl3pPr>
+            <a:lvl4pPr>
+              <a:defRPr sz="1400"/>
+            </a:lvl4pPr>
+            <a:lvl5pPr>
+              <a:defRPr sz="1400"/>
+            </a:lvl5pPr>
+            <a:lvl6pPr>
+              <a:defRPr sz="1400"/>
+            </a:lvl6pPr>
+            <a:lvl7pPr>
+              <a:defRPr sz="1400"/>
+            </a:lvl7pPr>
+            <a:lvl8pPr>
+              <a:defRPr sz="1400"/>
+            </a:lvl8pPr>
+            <a:lvl9pPr>
+              <a:defRPr sz="1400"/>
+            </a:lvl9pPr>
+          </a:lstStyle>
           <a:p>
             <a:pPr lvl="0"/>
             <a:r>
@@ -1798,19 +2004,13 @@
               <a:rPr lang="en-US"/>
               <a:t>Fifth level</a:t>
             </a:r>
-            <a:endParaRPr lang="es-MX"/>
-          </a:p>
-        </p:txBody>
-      </p:sp>
-      <p:sp>
-        <p:nvSpPr>
-          <p:cNvPr id="7" name="Date Placeholder 6">
-            <a:extLst>
-              <a:ext uri="{FF2B5EF4-FFF2-40B4-BE49-F238E27FC236}">
-                <a16:creationId xmlns:a16="http://schemas.microsoft.com/office/drawing/2014/main" id="{A97E4175-2B20-4CA7-8B5B-FC8CB7D1B738}"/>
-              </a:ext>
-            </a:extLst>
-          </p:cNvPr>
+            <a:endParaRPr lang="en-US" dirty="0"/>
+          </a:p>
+        </p:txBody>
+      </p:sp>
+      <p:sp>
+        <p:nvSpPr>
+          <p:cNvPr id="7" name="Date Placeholder 6"/>
           <p:cNvSpPr>
             <a:spLocks noGrp="1"/>
           </p:cNvSpPr>
@@ -1825,7 +2025,7 @@
           <a:p>
             <a:fld id="{8C95B75D-73A6-48A0-A6AB-4E09535D57A2}" type="datetimeFigureOut">
               <a:rPr lang="es-MX" smtClean="0"/>
-              <a:t>15/03/2019</a:t>
+              <a:t>20/03/2019</a:t>
             </a:fld>
             <a:endParaRPr lang="es-MX"/>
           </a:p>
@@ -1833,13 +2033,7 @@
       </p:sp>
       <p:sp>
         <p:nvSpPr>
-          <p:cNvPr id="8" name="Footer Placeholder 7">
-            <a:extLst>
-              <a:ext uri="{FF2B5EF4-FFF2-40B4-BE49-F238E27FC236}">
-                <a16:creationId xmlns:a16="http://schemas.microsoft.com/office/drawing/2014/main" id="{9A82F551-6D17-473D-A295-D62F7863CFC4}"/>
-              </a:ext>
-            </a:extLst>
-          </p:cNvPr>
+          <p:cNvPr id="8" name="Footer Placeholder 7"/>
           <p:cNvSpPr>
             <a:spLocks noGrp="1"/>
           </p:cNvSpPr>
@@ -1858,13 +2052,7 @@
       </p:sp>
       <p:sp>
         <p:nvSpPr>
-          <p:cNvPr id="9" name="Slide Number Placeholder 8">
-            <a:extLst>
-              <a:ext uri="{FF2B5EF4-FFF2-40B4-BE49-F238E27FC236}">
-                <a16:creationId xmlns:a16="http://schemas.microsoft.com/office/drawing/2014/main" id="{07701A3F-1903-4A05-BE17-983E1A548703}"/>
-              </a:ext>
-            </a:extLst>
-          </p:cNvPr>
+          <p:cNvPr id="9" name="Slide Number Placeholder 8"/>
           <p:cNvSpPr>
             <a:spLocks noGrp="1"/>
           </p:cNvSpPr>
@@ -1885,10 +2073,51 @@
           </a:p>
         </p:txBody>
       </p:sp>
+      <p:sp>
+        <p:nvSpPr>
+          <p:cNvPr id="11" name="Rectangle 10"/>
+          <p:cNvSpPr/>
+          <p:nvPr/>
+        </p:nvSpPr>
+        <p:spPr>
+          <a:xfrm>
+            <a:off x="0" y="0"/>
+            <a:ext cx="457200" cy="6858000"/>
+          </a:xfrm>
+          <a:prstGeom prst="rect">
+            <a:avLst/>
+          </a:prstGeom>
+          <a:solidFill>
+            <a:schemeClr val="tx2">
+              <a:lumMod val="60000"/>
+              <a:lumOff val="40000"/>
+            </a:schemeClr>
+          </a:solidFill>
+          <a:ln>
+            <a:noFill/>
+          </a:ln>
+        </p:spPr>
+        <p:style>
+          <a:lnRef idx="2">
+            <a:schemeClr val="accent1">
+              <a:shade val="50000"/>
+            </a:schemeClr>
+          </a:lnRef>
+          <a:fillRef idx="1">
+            <a:schemeClr val="accent1"/>
+          </a:fillRef>
+          <a:effectRef idx="0">
+            <a:schemeClr val="accent1"/>
+          </a:effectRef>
+          <a:fontRef idx="minor">
+            <a:schemeClr val="lt1"/>
+          </a:fontRef>
+        </p:style>
+      </p:sp>
     </p:spTree>
     <p:extLst>
       <p:ext uri="{BB962C8B-B14F-4D97-AF65-F5344CB8AC3E}">
-        <p14:creationId xmlns:p14="http://schemas.microsoft.com/office/powerpoint/2010/main" val="2297093760"/>
+        <p14:creationId xmlns:p14="http://schemas.microsoft.com/office/powerpoint/2010/main" val="2594018454"/>
       </p:ext>
     </p:extLst>
   </p:cSld>
@@ -1917,13 +2146,7 @@
       </p:grpSpPr>
       <p:sp>
         <p:nvSpPr>
-          <p:cNvPr id="2" name="Title 1">
-            <a:extLst>
-              <a:ext uri="{FF2B5EF4-FFF2-40B4-BE49-F238E27FC236}">
-                <a16:creationId xmlns:a16="http://schemas.microsoft.com/office/drawing/2014/main" id="{E401DB4D-128F-4D1F-8E7C-D9FE3B1DD937}"/>
-              </a:ext>
-            </a:extLst>
-          </p:cNvPr>
+          <p:cNvPr id="6" name="Title 5"/>
           <p:cNvSpPr>
             <a:spLocks noGrp="1"/>
           </p:cNvSpPr>
@@ -1940,19 +2163,13 @@
               <a:rPr lang="en-US"/>
               <a:t>Click to edit Master title style</a:t>
             </a:r>
-            <a:endParaRPr lang="es-MX"/>
-          </a:p>
-        </p:txBody>
-      </p:sp>
-      <p:sp>
-        <p:nvSpPr>
-          <p:cNvPr id="3" name="Date Placeholder 2">
-            <a:extLst>
-              <a:ext uri="{FF2B5EF4-FFF2-40B4-BE49-F238E27FC236}">
-                <a16:creationId xmlns:a16="http://schemas.microsoft.com/office/drawing/2014/main" id="{19DED307-0165-4370-918B-7C6523D49F82}"/>
-              </a:ext>
-            </a:extLst>
-          </p:cNvPr>
+            <a:endParaRPr lang="en-US" dirty="0"/>
+          </a:p>
+        </p:txBody>
+      </p:sp>
+      <p:sp>
+        <p:nvSpPr>
+          <p:cNvPr id="3" name="Date Placeholder 2"/>
           <p:cNvSpPr>
             <a:spLocks noGrp="1"/>
           </p:cNvSpPr>
@@ -1967,7 +2184,7 @@
           <a:p>
             <a:fld id="{8C95B75D-73A6-48A0-A6AB-4E09535D57A2}" type="datetimeFigureOut">
               <a:rPr lang="es-MX" smtClean="0"/>
-              <a:t>15/03/2019</a:t>
+              <a:t>20/03/2019</a:t>
             </a:fld>
             <a:endParaRPr lang="es-MX"/>
           </a:p>
@@ -1975,13 +2192,7 @@
       </p:sp>
       <p:sp>
         <p:nvSpPr>
-          <p:cNvPr id="4" name="Footer Placeholder 3">
-            <a:extLst>
-              <a:ext uri="{FF2B5EF4-FFF2-40B4-BE49-F238E27FC236}">
-                <a16:creationId xmlns:a16="http://schemas.microsoft.com/office/drawing/2014/main" id="{BEE751D0-8458-4182-8941-760EDBB8CED3}"/>
-              </a:ext>
-            </a:extLst>
-          </p:cNvPr>
+          <p:cNvPr id="4" name="Footer Placeholder 3"/>
           <p:cNvSpPr>
             <a:spLocks noGrp="1"/>
           </p:cNvSpPr>
@@ -2000,13 +2211,7 @@
       </p:sp>
       <p:sp>
         <p:nvSpPr>
-          <p:cNvPr id="5" name="Slide Number Placeholder 4">
-            <a:extLst>
-              <a:ext uri="{FF2B5EF4-FFF2-40B4-BE49-F238E27FC236}">
-                <a16:creationId xmlns:a16="http://schemas.microsoft.com/office/drawing/2014/main" id="{34242A28-4882-4274-B97A-103C5D0E0628}"/>
-              </a:ext>
-            </a:extLst>
-          </p:cNvPr>
+          <p:cNvPr id="5" name="Slide Number Placeholder 4"/>
           <p:cNvSpPr>
             <a:spLocks noGrp="1"/>
           </p:cNvSpPr>
@@ -2027,10 +2232,51 @@
           </a:p>
         </p:txBody>
       </p:sp>
+      <p:sp>
+        <p:nvSpPr>
+          <p:cNvPr id="7" name="Rectangle 6"/>
+          <p:cNvSpPr/>
+          <p:nvPr/>
+        </p:nvSpPr>
+        <p:spPr>
+          <a:xfrm>
+            <a:off x="0" y="0"/>
+            <a:ext cx="457200" cy="6858000"/>
+          </a:xfrm>
+          <a:prstGeom prst="rect">
+            <a:avLst/>
+          </a:prstGeom>
+          <a:solidFill>
+            <a:schemeClr val="tx2">
+              <a:lumMod val="60000"/>
+              <a:lumOff val="40000"/>
+            </a:schemeClr>
+          </a:solidFill>
+          <a:ln>
+            <a:noFill/>
+          </a:ln>
+        </p:spPr>
+        <p:style>
+          <a:lnRef idx="2">
+            <a:schemeClr val="accent1">
+              <a:shade val="50000"/>
+            </a:schemeClr>
+          </a:lnRef>
+          <a:fillRef idx="1">
+            <a:schemeClr val="accent1"/>
+          </a:fillRef>
+          <a:effectRef idx="0">
+            <a:schemeClr val="accent1"/>
+          </a:effectRef>
+          <a:fontRef idx="minor">
+            <a:schemeClr val="lt1"/>
+          </a:fontRef>
+        </p:style>
+      </p:sp>
     </p:spTree>
     <p:extLst>
       <p:ext uri="{BB962C8B-B14F-4D97-AF65-F5344CB8AC3E}">
-        <p14:creationId xmlns:p14="http://schemas.microsoft.com/office/powerpoint/2010/main" val="1085427201"/>
+        <p14:creationId xmlns:p14="http://schemas.microsoft.com/office/powerpoint/2010/main" val="111526101"/>
       </p:ext>
     </p:extLst>
   </p:cSld>
@@ -2059,13 +2305,7 @@
       </p:grpSpPr>
       <p:sp>
         <p:nvSpPr>
-          <p:cNvPr id="2" name="Date Placeholder 1">
-            <a:extLst>
-              <a:ext uri="{FF2B5EF4-FFF2-40B4-BE49-F238E27FC236}">
-                <a16:creationId xmlns:a16="http://schemas.microsoft.com/office/drawing/2014/main" id="{DF9B9BF3-FB6A-4EEA-8E29-D284AA1F946F}"/>
-              </a:ext>
-            </a:extLst>
-          </p:cNvPr>
+          <p:cNvPr id="2" name="Date Placeholder 1"/>
           <p:cNvSpPr>
             <a:spLocks noGrp="1"/>
           </p:cNvSpPr>
@@ -2080,7 +2320,7 @@
           <a:p>
             <a:fld id="{8C95B75D-73A6-48A0-A6AB-4E09535D57A2}" type="datetimeFigureOut">
               <a:rPr lang="es-MX" smtClean="0"/>
-              <a:t>15/03/2019</a:t>
+              <a:t>20/03/2019</a:t>
             </a:fld>
             <a:endParaRPr lang="es-MX"/>
           </a:p>
@@ -2088,13 +2328,7 @@
       </p:sp>
       <p:sp>
         <p:nvSpPr>
-          <p:cNvPr id="3" name="Footer Placeholder 2">
-            <a:extLst>
-              <a:ext uri="{FF2B5EF4-FFF2-40B4-BE49-F238E27FC236}">
-                <a16:creationId xmlns:a16="http://schemas.microsoft.com/office/drawing/2014/main" id="{F67C6B6A-E2CB-4172-BDFB-C7360454997F}"/>
-              </a:ext>
-            </a:extLst>
-          </p:cNvPr>
+          <p:cNvPr id="3" name="Footer Placeholder 2"/>
           <p:cNvSpPr>
             <a:spLocks noGrp="1"/>
           </p:cNvSpPr>
@@ -2113,13 +2347,7 @@
       </p:sp>
       <p:sp>
         <p:nvSpPr>
-          <p:cNvPr id="4" name="Slide Number Placeholder 3">
-            <a:extLst>
-              <a:ext uri="{FF2B5EF4-FFF2-40B4-BE49-F238E27FC236}">
-                <a16:creationId xmlns:a16="http://schemas.microsoft.com/office/drawing/2014/main" id="{D2D1635E-8719-4CB3-9066-06E6DCAE196B}"/>
-              </a:ext>
-            </a:extLst>
-          </p:cNvPr>
+          <p:cNvPr id="4" name="Slide Number Placeholder 3"/>
           <p:cNvSpPr>
             <a:spLocks noGrp="1"/>
           </p:cNvSpPr>
@@ -2140,10 +2368,51 @@
           </a:p>
         </p:txBody>
       </p:sp>
+      <p:sp>
+        <p:nvSpPr>
+          <p:cNvPr id="5" name="Rectangle 4"/>
+          <p:cNvSpPr/>
+          <p:nvPr/>
+        </p:nvSpPr>
+        <p:spPr>
+          <a:xfrm>
+            <a:off x="0" y="0"/>
+            <a:ext cx="457200" cy="6858000"/>
+          </a:xfrm>
+          <a:prstGeom prst="rect">
+            <a:avLst/>
+          </a:prstGeom>
+          <a:solidFill>
+            <a:schemeClr val="tx2">
+              <a:lumMod val="60000"/>
+              <a:lumOff val="40000"/>
+            </a:schemeClr>
+          </a:solidFill>
+          <a:ln>
+            <a:noFill/>
+          </a:ln>
+        </p:spPr>
+        <p:style>
+          <a:lnRef idx="2">
+            <a:schemeClr val="accent1">
+              <a:shade val="50000"/>
+            </a:schemeClr>
+          </a:lnRef>
+          <a:fillRef idx="1">
+            <a:schemeClr val="accent1"/>
+          </a:fillRef>
+          <a:effectRef idx="0">
+            <a:schemeClr val="accent1"/>
+          </a:effectRef>
+          <a:fontRef idx="minor">
+            <a:schemeClr val="lt1"/>
+          </a:fontRef>
+        </p:style>
+      </p:sp>
     </p:spTree>
     <p:extLst>
       <p:ext uri="{BB962C8B-B14F-4D97-AF65-F5344CB8AC3E}">
-        <p14:creationId xmlns:p14="http://schemas.microsoft.com/office/powerpoint/2010/main" val="2238723874"/>
+        <p14:creationId xmlns:p14="http://schemas.microsoft.com/office/powerpoint/2010/main" val="3206887415"/>
       </p:ext>
     </p:extLst>
   </p:cSld>
@@ -2172,13 +2441,7 @@
       </p:grpSpPr>
       <p:sp>
         <p:nvSpPr>
-          <p:cNvPr id="2" name="Title 1">
-            <a:extLst>
-              <a:ext uri="{FF2B5EF4-FFF2-40B4-BE49-F238E27FC236}">
-                <a16:creationId xmlns:a16="http://schemas.microsoft.com/office/drawing/2014/main" id="{26767F32-87B7-4B97-8237-3066C3494CB6}"/>
-              </a:ext>
-            </a:extLst>
-          </p:cNvPr>
+          <p:cNvPr id="2" name="Title 1"/>
           <p:cNvSpPr>
             <a:spLocks noGrp="1"/>
           </p:cNvSpPr>
@@ -2188,15 +2451,17 @@
         </p:nvSpPr>
         <p:spPr>
           <a:xfrm>
-            <a:off x="839788" y="457200"/>
-            <a:ext cx="3932237" cy="1600200"/>
+            <a:off x="841248" y="457200"/>
+            <a:ext cx="3200400" cy="1600197"/>
           </a:xfrm>
         </p:spPr>
         <p:txBody>
-          <a:bodyPr anchor="b"/>
+          <a:bodyPr anchor="b">
+            <a:normAutofit/>
+          </a:bodyPr>
           <a:lstStyle>
             <a:lvl1pPr>
-              <a:defRPr sz="3200"/>
+              <a:defRPr sz="2800" b="1" baseline="0"/>
             </a:lvl1pPr>
           </a:lstStyle>
           <a:p>
@@ -2204,19 +2469,13 @@
               <a:rPr lang="en-US"/>
               <a:t>Click to edit Master title style</a:t>
             </a:r>
-            <a:endParaRPr lang="es-MX"/>
-          </a:p>
-        </p:txBody>
-      </p:sp>
-      <p:sp>
-        <p:nvSpPr>
-          <p:cNvPr id="3" name="Content Placeholder 2">
-            <a:extLst>
-              <a:ext uri="{FF2B5EF4-FFF2-40B4-BE49-F238E27FC236}">
-                <a16:creationId xmlns:a16="http://schemas.microsoft.com/office/drawing/2014/main" id="{A76041CE-71BF-49AA-876E-09CBF3B7ADD4}"/>
-              </a:ext>
-            </a:extLst>
-          </p:cNvPr>
+            <a:endParaRPr lang="en-US" dirty="0"/>
+          </a:p>
+        </p:txBody>
+      </p:sp>
+      <p:sp>
+        <p:nvSpPr>
+          <p:cNvPr id="3" name="Content Placeholder 2"/>
           <p:cNvSpPr>
             <a:spLocks noGrp="1"/>
           </p:cNvSpPr>
@@ -2226,39 +2485,39 @@
         </p:nvSpPr>
         <p:spPr>
           <a:xfrm>
-            <a:off x="5183188" y="987425"/>
-            <a:ext cx="6172200" cy="4873625"/>
+            <a:off x="4504267" y="685800"/>
+            <a:ext cx="6079066" cy="5486400"/>
           </a:xfrm>
         </p:spPr>
         <p:txBody>
           <a:bodyPr/>
           <a:lstStyle>
             <a:lvl1pPr>
-              <a:defRPr sz="3200"/>
+              <a:defRPr sz="2000"/>
             </a:lvl1pPr>
             <a:lvl2pPr>
-              <a:defRPr sz="2800"/>
+              <a:defRPr sz="1800"/>
             </a:lvl2pPr>
             <a:lvl3pPr>
-              <a:defRPr sz="2400"/>
+              <a:defRPr sz="1600"/>
             </a:lvl3pPr>
             <a:lvl4pPr>
-              <a:defRPr sz="2000"/>
+              <a:defRPr sz="1400"/>
             </a:lvl4pPr>
             <a:lvl5pPr>
-              <a:defRPr sz="2000"/>
+              <a:defRPr sz="1400"/>
             </a:lvl5pPr>
             <a:lvl6pPr>
-              <a:defRPr sz="2000"/>
+              <a:defRPr sz="1400"/>
             </a:lvl6pPr>
             <a:lvl7pPr>
-              <a:defRPr sz="2000"/>
+              <a:defRPr sz="1400"/>
             </a:lvl7pPr>
             <a:lvl8pPr>
-              <a:defRPr sz="2000"/>
+              <a:defRPr sz="1400"/>
             </a:lvl8pPr>
             <a:lvl9pPr>
-              <a:defRPr sz="2000"/>
+              <a:defRPr sz="1400"/>
             </a:lvl9pPr>
           </a:lstStyle>
           <a:p>
@@ -2295,19 +2554,13 @@
               <a:rPr lang="en-US"/>
               <a:t>Fifth level</a:t>
             </a:r>
-            <a:endParaRPr lang="es-MX"/>
-          </a:p>
-        </p:txBody>
-      </p:sp>
-      <p:sp>
-        <p:nvSpPr>
-          <p:cNvPr id="4" name="Text Placeholder 3">
-            <a:extLst>
-              <a:ext uri="{FF2B5EF4-FFF2-40B4-BE49-F238E27FC236}">
-                <a16:creationId xmlns:a16="http://schemas.microsoft.com/office/drawing/2014/main" id="{685FE183-0E29-44E0-A828-286639CB35A6}"/>
-              </a:ext>
-            </a:extLst>
-          </p:cNvPr>
+            <a:endParaRPr lang="en-US" dirty="0"/>
+          </a:p>
+        </p:txBody>
+      </p:sp>
+      <p:sp>
+        <p:nvSpPr>
+          <p:cNvPr id="4" name="Text Placeholder 3"/>
           <p:cNvSpPr>
             <a:spLocks noGrp="1"/>
           </p:cNvSpPr>
@@ -2317,48 +2570,56 @@
         </p:nvSpPr>
         <p:spPr>
           <a:xfrm>
-            <a:off x="839788" y="2057400"/>
-            <a:ext cx="3932237" cy="3811588"/>
+            <a:off x="841248" y="2099734"/>
+            <a:ext cx="3200400" cy="3810001"/>
           </a:xfrm>
         </p:spPr>
         <p:txBody>
-          <a:bodyPr/>
+          <a:bodyPr>
+            <a:normAutofit/>
+          </a:bodyPr>
           <a:lstStyle>
             <a:lvl1pPr marL="0" indent="0">
-              <a:buNone/>
-              <a:defRPr sz="1600"/>
+              <a:lnSpc>
+                <a:spcPct val="114000"/>
+              </a:lnSpc>
+              <a:spcBef>
+                <a:spcPts val="800"/>
+              </a:spcBef>
+              <a:buNone/>
+              <a:defRPr sz="1400"/>
             </a:lvl1pPr>
             <a:lvl2pPr marL="457200" indent="0">
               <a:buNone/>
-              <a:defRPr sz="1400"/>
+              <a:defRPr sz="1200"/>
             </a:lvl2pPr>
             <a:lvl3pPr marL="914400" indent="0">
               <a:buNone/>
-              <a:defRPr sz="1200"/>
+              <a:defRPr sz="1000"/>
             </a:lvl3pPr>
             <a:lvl4pPr marL="1371600" indent="0">
               <a:buNone/>
-              <a:defRPr sz="1000"/>
+              <a:defRPr sz="900"/>
             </a:lvl4pPr>
             <a:lvl5pPr marL="1828800" indent="0">
               <a:buNone/>
-              <a:defRPr sz="1000"/>
+              <a:defRPr sz="900"/>
             </a:lvl5pPr>
             <a:lvl6pPr marL="2286000" indent="0">
               <a:buNone/>
-              <a:defRPr sz="1000"/>
+              <a:defRPr sz="900"/>
             </a:lvl6pPr>
             <a:lvl7pPr marL="2743200" indent="0">
               <a:buNone/>
-              <a:defRPr sz="1000"/>
+              <a:defRPr sz="900"/>
             </a:lvl7pPr>
             <a:lvl8pPr marL="3200400" indent="0">
               <a:buNone/>
-              <a:defRPr sz="1000"/>
+              <a:defRPr sz="900"/>
             </a:lvl8pPr>
             <a:lvl9pPr marL="3657600" indent="0">
               <a:buNone/>
-              <a:defRPr sz="1000"/>
+              <a:defRPr sz="900"/>
             </a:lvl9pPr>
           </a:lstStyle>
           <a:p>
@@ -2372,13 +2633,7 @@
       </p:sp>
       <p:sp>
         <p:nvSpPr>
-          <p:cNvPr id="5" name="Date Placeholder 4">
-            <a:extLst>
-              <a:ext uri="{FF2B5EF4-FFF2-40B4-BE49-F238E27FC236}">
-                <a16:creationId xmlns:a16="http://schemas.microsoft.com/office/drawing/2014/main" id="{22E35668-0F3D-43A5-A4A1-B87A8B007B9A}"/>
-              </a:ext>
-            </a:extLst>
-          </p:cNvPr>
+          <p:cNvPr id="5" name="Date Placeholder 4"/>
           <p:cNvSpPr>
             <a:spLocks noGrp="1"/>
           </p:cNvSpPr>
@@ -2393,7 +2648,7 @@
           <a:p>
             <a:fld id="{8C95B75D-73A6-48A0-A6AB-4E09535D57A2}" type="datetimeFigureOut">
               <a:rPr lang="es-MX" smtClean="0"/>
-              <a:t>15/03/2019</a:t>
+              <a:t>20/03/2019</a:t>
             </a:fld>
             <a:endParaRPr lang="es-MX"/>
           </a:p>
@@ -2401,13 +2656,7 @@
       </p:sp>
       <p:sp>
         <p:nvSpPr>
-          <p:cNvPr id="6" name="Footer Placeholder 5">
-            <a:extLst>
-              <a:ext uri="{FF2B5EF4-FFF2-40B4-BE49-F238E27FC236}">
-                <a16:creationId xmlns:a16="http://schemas.microsoft.com/office/drawing/2014/main" id="{DEC32141-C89C-4CFC-817A-AB0060CE982D}"/>
-              </a:ext>
-            </a:extLst>
-          </p:cNvPr>
+          <p:cNvPr id="6" name="Footer Placeholder 5"/>
           <p:cNvSpPr>
             <a:spLocks noGrp="1"/>
           </p:cNvSpPr>
@@ -2426,13 +2675,7 @@
       </p:sp>
       <p:sp>
         <p:nvSpPr>
-          <p:cNvPr id="7" name="Slide Number Placeholder 6">
-            <a:extLst>
-              <a:ext uri="{FF2B5EF4-FFF2-40B4-BE49-F238E27FC236}">
-                <a16:creationId xmlns:a16="http://schemas.microsoft.com/office/drawing/2014/main" id="{4EF01C86-2D3F-4533-9785-631FEF3FC0BD}"/>
-              </a:ext>
-            </a:extLst>
-          </p:cNvPr>
+          <p:cNvPr id="7" name="Slide Number Placeholder 6"/>
           <p:cNvSpPr>
             <a:spLocks noGrp="1"/>
           </p:cNvSpPr>
@@ -2456,7 +2699,7 @@
     </p:spTree>
     <p:extLst>
       <p:ext uri="{BB962C8B-B14F-4D97-AF65-F5344CB8AC3E}">
-        <p14:creationId xmlns:p14="http://schemas.microsoft.com/office/powerpoint/2010/main" val="355079957"/>
+        <p14:creationId xmlns:p14="http://schemas.microsoft.com/office/powerpoint/2010/main" val="1619251742"/>
       </p:ext>
     </p:extLst>
   </p:cSld>
@@ -2485,31 +2728,69 @@
       </p:grpSpPr>
       <p:sp>
         <p:nvSpPr>
-          <p:cNvPr id="2" name="Title 1">
-            <a:extLst>
-              <a:ext uri="{FF2B5EF4-FFF2-40B4-BE49-F238E27FC236}">
-                <a16:creationId xmlns:a16="http://schemas.microsoft.com/office/drawing/2014/main" id="{57009FEA-98FA-4A23-8C18-D029827E01F4}"/>
-              </a:ext>
-            </a:extLst>
-          </p:cNvPr>
-          <p:cNvSpPr>
-            <a:spLocks noGrp="1"/>
-          </p:cNvSpPr>
-          <p:nvPr>
-            <p:ph type="title"/>
-          </p:nvPr>
+          <p:cNvPr id="8" name="Rectangle 7"/>
+          <p:cNvSpPr/>
+          <p:nvPr/>
         </p:nvSpPr>
         <p:spPr>
           <a:xfrm>
-            <a:off x="839788" y="457200"/>
-            <a:ext cx="3932237" cy="1600200"/>
+            <a:off x="0" y="5105400"/>
+            <a:ext cx="11292840" cy="1752600"/>
+          </a:xfrm>
+          <a:prstGeom prst="rect">
+            <a:avLst/>
+          </a:prstGeom>
+          <a:solidFill>
+            <a:schemeClr val="tx2"/>
+          </a:solidFill>
+          <a:ln>
+            <a:noFill/>
+          </a:ln>
+        </p:spPr>
+        <p:style>
+          <a:lnRef idx="2">
+            <a:schemeClr val="accent1">
+              <a:shade val="50000"/>
+            </a:schemeClr>
+          </a:lnRef>
+          <a:fillRef idx="1">
+            <a:schemeClr val="accent1"/>
+          </a:fillRef>
+          <a:effectRef idx="0">
+            <a:schemeClr val="accent1"/>
+          </a:effectRef>
+          <a:fontRef idx="minor">
+            <a:schemeClr val="lt1"/>
+          </a:fontRef>
+        </p:style>
+      </p:sp>
+      <p:sp>
+        <p:nvSpPr>
+          <p:cNvPr id="2" name="Title 1"/>
+          <p:cNvSpPr>
+            <a:spLocks noGrp="1"/>
+          </p:cNvSpPr>
+          <p:nvPr>
+            <p:ph type="title"/>
+          </p:nvPr>
+        </p:nvSpPr>
+        <p:spPr>
+          <a:xfrm>
+            <a:off x="914400" y="5257800"/>
+            <a:ext cx="9982200" cy="914400"/>
           </a:xfrm>
         </p:spPr>
         <p:txBody>
-          <a:bodyPr anchor="b"/>
+          <a:bodyPr anchor="b">
+            <a:normAutofit/>
+          </a:bodyPr>
           <a:lstStyle>
             <a:lvl1pPr>
-              <a:defRPr sz="3200"/>
+              <a:defRPr sz="2800" b="1">
+                <a:solidFill>
+                  <a:schemeClr val="bg1"/>
+                </a:solidFill>
+              </a:defRPr>
             </a:lvl1pPr>
           </a:lstStyle>
           <a:p>
@@ -2517,21 +2798,15 @@
               <a:rPr lang="en-US"/>
               <a:t>Click to edit Master title style</a:t>
             </a:r>
-            <a:endParaRPr lang="es-MX"/>
-          </a:p>
-        </p:txBody>
-      </p:sp>
-      <p:sp>
-        <p:nvSpPr>
-          <p:cNvPr id="3" name="Picture Placeholder 2">
-            <a:extLst>
-              <a:ext uri="{FF2B5EF4-FFF2-40B4-BE49-F238E27FC236}">
-                <a16:creationId xmlns:a16="http://schemas.microsoft.com/office/drawing/2014/main" id="{728F67C4-C289-4611-AC6E-9BC2EB47A839}"/>
-              </a:ext>
-            </a:extLst>
-          </p:cNvPr>
-          <p:cNvSpPr>
-            <a:spLocks noGrp="1"/>
+            <a:endParaRPr lang="en-US" dirty="0"/>
+          </a:p>
+        </p:txBody>
+      </p:sp>
+      <p:sp>
+        <p:nvSpPr>
+          <p:cNvPr id="3" name="Picture Placeholder 2"/>
+          <p:cNvSpPr>
+            <a:spLocks noGrp="1" noChangeAspect="1"/>
           </p:cNvSpPr>
           <p:nvPr>
             <p:ph type="pic" idx="1"/>
@@ -2539,12 +2814,12 @@
         </p:nvSpPr>
         <p:spPr>
           <a:xfrm>
-            <a:off x="5183188" y="987425"/>
-            <a:ext cx="6172200" cy="4873625"/>
+            <a:off x="0" y="0"/>
+            <a:ext cx="11292840" cy="5128923"/>
           </a:xfrm>
         </p:spPr>
         <p:txBody>
-          <a:bodyPr/>
+          <a:bodyPr anchor="t"/>
           <a:lstStyle>
             <a:lvl1pPr marL="0" indent="0">
               <a:buNone/>
@@ -2584,19 +2859,17 @@
             </a:lvl9pPr>
           </a:lstStyle>
           <a:p>
-            <a:endParaRPr lang="es-MX"/>
-          </a:p>
-        </p:txBody>
-      </p:sp>
-      <p:sp>
-        <p:nvSpPr>
-          <p:cNvPr id="4" name="Text Placeholder 3">
-            <a:extLst>
-              <a:ext uri="{FF2B5EF4-FFF2-40B4-BE49-F238E27FC236}">
-                <a16:creationId xmlns:a16="http://schemas.microsoft.com/office/drawing/2014/main" id="{ABAB803A-CCCF-4BF1-9D37-D61AD11EF95C}"/>
-              </a:ext>
-            </a:extLst>
-          </p:cNvPr>
+            <a:r>
+              <a:rPr lang="en-US"/>
+              <a:t>Click icon to add picture</a:t>
+            </a:r>
+            <a:endParaRPr lang="en-US" dirty="0"/>
+          </a:p>
+        </p:txBody>
+      </p:sp>
+      <p:sp>
+        <p:nvSpPr>
+          <p:cNvPr id="4" name="Text Placeholder 3"/>
           <p:cNvSpPr>
             <a:spLocks noGrp="1"/>
           </p:cNvSpPr>
@@ -2606,48 +2879,62 @@
         </p:nvSpPr>
         <p:spPr>
           <a:xfrm>
-            <a:off x="839788" y="2057400"/>
-            <a:ext cx="3932237" cy="3811588"/>
+            <a:off x="914400" y="6108589"/>
+            <a:ext cx="9982200" cy="597011"/>
           </a:xfrm>
         </p:spPr>
         <p:txBody>
-          <a:bodyPr/>
+          <a:bodyPr>
+            <a:normAutofit/>
+          </a:bodyPr>
           <a:lstStyle>
             <a:lvl1pPr marL="0" indent="0">
-              <a:buNone/>
-              <a:defRPr sz="1600"/>
+              <a:lnSpc>
+                <a:spcPct val="100000"/>
+              </a:lnSpc>
+              <a:spcBef>
+                <a:spcPts val="800"/>
+              </a:spcBef>
+              <a:buNone/>
+              <a:defRPr sz="1400" baseline="0">
+                <a:solidFill>
+                  <a:schemeClr val="bg1">
+                    <a:lumMod val="75000"/>
+                  </a:schemeClr>
+                </a:solidFill>
+              </a:defRPr>
             </a:lvl1pPr>
             <a:lvl2pPr marL="457200" indent="0">
               <a:buNone/>
-              <a:defRPr sz="1400"/>
+              <a:defRPr sz="1200"/>
             </a:lvl2pPr>
             <a:lvl3pPr marL="914400" indent="0">
               <a:buNone/>
-              <a:defRPr sz="1200"/>
+              <a:defRPr sz="1000"/>
             </a:lvl3pPr>
             <a:lvl4pPr marL="1371600" indent="0">
               <a:buNone/>
-              <a:defRPr sz="1000"/>
+              <a:defRPr sz="900"/>
             </a:lvl4pPr>
             <a:lvl5pPr marL="1828800" indent="0">
               <a:buNone/>
-              <a:defRPr sz="1000"/>
+              <a:defRPr sz="900"/>
             </a:lvl5pPr>
             <a:lvl6pPr marL="2286000" indent="0">
               <a:buNone/>
-              <a:defRPr sz="1000"/>
+              <a:defRPr sz="900"/>
             </a:lvl6pPr>
             <a:lvl7pPr marL="2743200" indent="0">
               <a:buNone/>
-              <a:defRPr sz="1000"/>
+              <a:defRPr sz="900"/>
             </a:lvl7pPr>
             <a:lvl8pPr marL="3200400" indent="0">
               <a:buNone/>
-              <a:defRPr sz="1000"/>
+              <a:defRPr sz="900"/>
             </a:lvl8pPr>
             <a:lvl9pPr marL="3657600" indent="0">
               <a:buNone/>
-              <a:defRPr sz="1000"/>
+              <a:defRPr sz="900"/>
             </a:lvl9pPr>
           </a:lstStyle>
           <a:p>
@@ -2661,13 +2948,7 @@
       </p:sp>
       <p:sp>
         <p:nvSpPr>
-          <p:cNvPr id="5" name="Date Placeholder 4">
-            <a:extLst>
-              <a:ext uri="{FF2B5EF4-FFF2-40B4-BE49-F238E27FC236}">
-                <a16:creationId xmlns:a16="http://schemas.microsoft.com/office/drawing/2014/main" id="{F9D74590-4693-4E21-8949-0DB283336916}"/>
-              </a:ext>
-            </a:extLst>
-          </p:cNvPr>
+          <p:cNvPr id="5" name="Date Placeholder 4"/>
           <p:cNvSpPr>
             <a:spLocks noGrp="1"/>
           </p:cNvSpPr>
@@ -2682,7 +2963,7 @@
           <a:p>
             <a:fld id="{8C95B75D-73A6-48A0-A6AB-4E09535D57A2}" type="datetimeFigureOut">
               <a:rPr lang="es-MX" smtClean="0"/>
-              <a:t>15/03/2019</a:t>
+              <a:t>20/03/2019</a:t>
             </a:fld>
             <a:endParaRPr lang="es-MX"/>
           </a:p>
@@ -2690,13 +2971,7 @@
       </p:sp>
       <p:sp>
         <p:nvSpPr>
-          <p:cNvPr id="6" name="Footer Placeholder 5">
-            <a:extLst>
-              <a:ext uri="{FF2B5EF4-FFF2-40B4-BE49-F238E27FC236}">
-                <a16:creationId xmlns:a16="http://schemas.microsoft.com/office/drawing/2014/main" id="{4E09A548-369A-4517-82CB-9608B2125634}"/>
-              </a:ext>
-            </a:extLst>
-          </p:cNvPr>
+          <p:cNvPr id="6" name="Footer Placeholder 5"/>
           <p:cNvSpPr>
             <a:spLocks noGrp="1"/>
           </p:cNvSpPr>
@@ -2715,13 +2990,7 @@
       </p:sp>
       <p:sp>
         <p:nvSpPr>
-          <p:cNvPr id="7" name="Slide Number Placeholder 6">
-            <a:extLst>
-              <a:ext uri="{FF2B5EF4-FFF2-40B4-BE49-F238E27FC236}">
-                <a16:creationId xmlns:a16="http://schemas.microsoft.com/office/drawing/2014/main" id="{4489C9B3-5C3C-4A36-A1B3-5147CDCCF21E}"/>
-              </a:ext>
-            </a:extLst>
-          </p:cNvPr>
+          <p:cNvPr id="7" name="Slide Number Placeholder 6"/>
           <p:cNvSpPr>
             <a:spLocks noGrp="1"/>
           </p:cNvSpPr>
@@ -2745,7 +3014,7 @@
     </p:spTree>
     <p:extLst>
       <p:ext uri="{BB962C8B-B14F-4D97-AF65-F5344CB8AC3E}">
-        <p14:creationId xmlns:p14="http://schemas.microsoft.com/office/powerpoint/2010/main" val="1793899807"/>
+        <p14:creationId xmlns:p14="http://schemas.microsoft.com/office/powerpoint/2010/main" val="4240526877"/>
       </p:ext>
     </p:extLst>
   </p:cSld>
@@ -2779,31 +3048,63 @@
       </p:grpSpPr>
       <p:sp>
         <p:nvSpPr>
-          <p:cNvPr id="2" name="Title Placeholder 1">
-            <a:extLst>
-              <a:ext uri="{FF2B5EF4-FFF2-40B4-BE49-F238E27FC236}">
-                <a16:creationId xmlns:a16="http://schemas.microsoft.com/office/drawing/2014/main" id="{709259AA-D6C9-45CB-90FF-CB50CCD35226}"/>
-              </a:ext>
-            </a:extLst>
-          </p:cNvPr>
-          <p:cNvSpPr>
-            <a:spLocks noGrp="1"/>
-          </p:cNvSpPr>
-          <p:nvPr>
-            <p:ph type="title"/>
-          </p:nvPr>
+          <p:cNvPr id="7" name="Rectangle 6"/>
+          <p:cNvSpPr/>
+          <p:nvPr/>
         </p:nvSpPr>
         <p:spPr>
           <a:xfrm>
-            <a:off x="838200" y="365125"/>
-            <a:ext cx="10515600" cy="1325563"/>
+            <a:off x="11292840" y="0"/>
+            <a:ext cx="914400" cy="6858000"/>
+          </a:xfrm>
+          <a:prstGeom prst="rect">
+            <a:avLst/>
+          </a:prstGeom>
+          <a:solidFill>
+            <a:schemeClr val="accent1"/>
+          </a:solidFill>
+          <a:ln>
+            <a:noFill/>
+          </a:ln>
+        </p:spPr>
+        <p:style>
+          <a:lnRef idx="2">
+            <a:schemeClr val="accent1">
+              <a:shade val="50000"/>
+            </a:schemeClr>
+          </a:lnRef>
+          <a:fillRef idx="1">
+            <a:schemeClr val="accent1"/>
+          </a:fillRef>
+          <a:effectRef idx="0">
+            <a:schemeClr val="accent1"/>
+          </a:effectRef>
+          <a:fontRef idx="minor">
+            <a:schemeClr val="lt1"/>
+          </a:fontRef>
+        </p:style>
+      </p:sp>
+      <p:sp>
+        <p:nvSpPr>
+          <p:cNvPr id="2" name="Title Placeholder 1"/>
+          <p:cNvSpPr>
+            <a:spLocks noGrp="1"/>
+          </p:cNvSpPr>
+          <p:nvPr>
+            <p:ph type="title"/>
+          </p:nvPr>
+        </p:nvSpPr>
+        <p:spPr>
+          <a:xfrm>
+            <a:off x="1261872" y="294198"/>
+            <a:ext cx="9692640" cy="1397124"/>
           </a:xfrm>
           <a:prstGeom prst="rect">
             <a:avLst/>
           </a:prstGeom>
         </p:spPr>
         <p:txBody>
-          <a:bodyPr vert="horz" lIns="91440" tIns="45720" rIns="91440" bIns="45720" rtlCol="0" anchor="ctr">
+          <a:bodyPr vert="horz" lIns="91440" tIns="27432" rIns="91440" bIns="45720" rtlCol="0" anchor="b">
             <a:normAutofit/>
           </a:bodyPr>
           <a:lstStyle/>
@@ -2812,19 +3113,13 @@
               <a:rPr lang="en-US"/>
               <a:t>Click to edit Master title style</a:t>
             </a:r>
-            <a:endParaRPr lang="es-MX"/>
-          </a:p>
-        </p:txBody>
-      </p:sp>
-      <p:sp>
-        <p:nvSpPr>
-          <p:cNvPr id="3" name="Text Placeholder 2">
-            <a:extLst>
-              <a:ext uri="{FF2B5EF4-FFF2-40B4-BE49-F238E27FC236}">
-                <a16:creationId xmlns:a16="http://schemas.microsoft.com/office/drawing/2014/main" id="{99A579FE-4E1F-4467-8819-2788357E2319}"/>
-              </a:ext>
-            </a:extLst>
-          </p:cNvPr>
+            <a:endParaRPr lang="en-US" dirty="0"/>
+          </a:p>
+        </p:txBody>
+      </p:sp>
+      <p:sp>
+        <p:nvSpPr>
+          <p:cNvPr id="3" name="Text Placeholder 2"/>
           <p:cNvSpPr>
             <a:spLocks noGrp="1"/>
           </p:cNvSpPr>
@@ -2834,8 +3129,8 @@
         </p:nvSpPr>
         <p:spPr>
           <a:xfrm>
-            <a:off x="838200" y="1825625"/>
-            <a:ext cx="10515600" cy="4351338"/>
+            <a:off x="1261872" y="1828800"/>
+            <a:ext cx="8595360" cy="4351337"/>
           </a:xfrm>
           <a:prstGeom prst="rect">
             <a:avLst/>
@@ -2880,19 +3175,13 @@
               <a:rPr lang="en-US"/>
               <a:t>Fifth level</a:t>
             </a:r>
-            <a:endParaRPr lang="es-MX"/>
-          </a:p>
-        </p:txBody>
-      </p:sp>
-      <p:sp>
-        <p:nvSpPr>
-          <p:cNvPr id="4" name="Date Placeholder 3">
-            <a:extLst>
-              <a:ext uri="{FF2B5EF4-FFF2-40B4-BE49-F238E27FC236}">
-                <a16:creationId xmlns:a16="http://schemas.microsoft.com/office/drawing/2014/main" id="{7A269FEE-9A4C-41FC-8D56-10BC04104234}"/>
-              </a:ext>
-            </a:extLst>
-          </p:cNvPr>
+            <a:endParaRPr lang="en-US" dirty="0"/>
+          </a:p>
+        </p:txBody>
+      </p:sp>
+      <p:sp>
+        <p:nvSpPr>
+          <p:cNvPr id="4" name="Date Placeholder 3"/>
           <p:cNvSpPr>
             <a:spLocks noGrp="1"/>
           </p:cNvSpPr>
@@ -2901,9 +3190,9 @@
           </p:nvPr>
         </p:nvSpPr>
         <p:spPr>
-          <a:xfrm>
-            <a:off x="838200" y="6356350"/>
-            <a:ext cx="2743200" cy="365125"/>
+          <a:xfrm rot="16200000">
+            <a:off x="10797542" y="998537"/>
+            <a:ext cx="1904999" cy="365125"/>
           </a:xfrm>
           <a:prstGeom prst="rect">
             <a:avLst/>
@@ -2912,11 +3201,12 @@
         <p:txBody>
           <a:bodyPr vert="horz" lIns="91440" tIns="45720" rIns="91440" bIns="45720" rtlCol="0" anchor="ctr"/>
           <a:lstStyle>
-            <a:lvl1pPr algn="l">
-              <a:defRPr sz="1200">
+            <a:lvl1pPr algn="r">
+              <a:defRPr sz="1050" b="0">
                 <a:solidFill>
-                  <a:schemeClr val="tx1">
-                    <a:tint val="75000"/>
+                  <a:schemeClr val="accent1">
+                    <a:lumMod val="40000"/>
+                    <a:lumOff val="60000"/>
                   </a:schemeClr>
                 </a:solidFill>
               </a:defRPr>
@@ -2925,7 +3215,7 @@
           <a:p>
             <a:fld id="{8C95B75D-73A6-48A0-A6AB-4E09535D57A2}" type="datetimeFigureOut">
               <a:rPr lang="es-MX" smtClean="0"/>
-              <a:t>15/03/2019</a:t>
+              <a:t>20/03/2019</a:t>
             </a:fld>
             <a:endParaRPr lang="es-MX"/>
           </a:p>
@@ -2933,13 +3223,7 @@
       </p:sp>
       <p:sp>
         <p:nvSpPr>
-          <p:cNvPr id="5" name="Footer Placeholder 4">
-            <a:extLst>
-              <a:ext uri="{FF2B5EF4-FFF2-40B4-BE49-F238E27FC236}">
-                <a16:creationId xmlns:a16="http://schemas.microsoft.com/office/drawing/2014/main" id="{9C194023-4EAF-45DD-935E-4BECE7C30E9B}"/>
-              </a:ext>
-            </a:extLst>
-          </p:cNvPr>
+          <p:cNvPr id="5" name="Footer Placeholder 4"/>
           <p:cNvSpPr>
             <a:spLocks noGrp="1"/>
           </p:cNvSpPr>
@@ -2948,9 +3232,9 @@
           </p:nvPr>
         </p:nvSpPr>
         <p:spPr>
-          <a:xfrm>
-            <a:off x="4038600" y="6356350"/>
-            <a:ext cx="4114800" cy="365125"/>
+          <a:xfrm rot="16200000">
+            <a:off x="9959341" y="4046537"/>
+            <a:ext cx="3581400" cy="365125"/>
           </a:xfrm>
           <a:prstGeom prst="rect">
             <a:avLst/>
@@ -2959,11 +3243,12 @@
         <p:txBody>
           <a:bodyPr vert="horz" lIns="91440" tIns="45720" rIns="91440" bIns="45720" rtlCol="0" anchor="ctr"/>
           <a:lstStyle>
-            <a:lvl1pPr algn="ctr">
-              <a:defRPr sz="1200">
+            <a:lvl1pPr algn="l">
+              <a:defRPr sz="1050">
                 <a:solidFill>
-                  <a:schemeClr val="tx1">
-                    <a:tint val="75000"/>
+                  <a:schemeClr val="accent1">
+                    <a:lumMod val="40000"/>
+                    <a:lumOff val="60000"/>
                   </a:schemeClr>
                 </a:solidFill>
               </a:defRPr>
@@ -2976,13 +3261,7 @@
       </p:sp>
       <p:sp>
         <p:nvSpPr>
-          <p:cNvPr id="6" name="Slide Number Placeholder 5">
-            <a:extLst>
-              <a:ext uri="{FF2B5EF4-FFF2-40B4-BE49-F238E27FC236}">
-                <a16:creationId xmlns:a16="http://schemas.microsoft.com/office/drawing/2014/main" id="{999F4214-A5A6-4E0F-AA1A-EA2B5AB2AC57}"/>
-              </a:ext>
-            </a:extLst>
-          </p:cNvPr>
+          <p:cNvPr id="6" name="Slide Number Placeholder 5"/>
           <p:cNvSpPr>
             <a:spLocks noGrp="1"/>
           </p:cNvSpPr>
@@ -2992,23 +3271,27 @@
         </p:nvSpPr>
         <p:spPr>
           <a:xfrm>
-            <a:off x="8610600" y="6356350"/>
-            <a:ext cx="2743200" cy="365125"/>
+            <a:off x="11292840" y="6172200"/>
+            <a:ext cx="914400" cy="593725"/>
           </a:xfrm>
           <a:prstGeom prst="rect">
             <a:avLst/>
           </a:prstGeom>
         </p:spPr>
         <p:txBody>
-          <a:bodyPr vert="horz" lIns="91440" tIns="45720" rIns="91440" bIns="45720" rtlCol="0" anchor="ctr"/>
+          <a:bodyPr vert="horz" lIns="45720" tIns="45720" rIns="45720" bIns="45720" rtlCol="0" anchor="ctr">
+            <a:normAutofit/>
+          </a:bodyPr>
           <a:lstStyle>
-            <a:lvl1pPr algn="r">
-              <a:defRPr sz="1200">
+            <a:lvl1pPr algn="ctr">
+              <a:defRPr sz="3600">
                 <a:solidFill>
-                  <a:schemeClr val="tx1">
-                    <a:tint val="75000"/>
+                  <a:schemeClr val="accent1">
+                    <a:lumMod val="60000"/>
+                    <a:lumOff val="40000"/>
                   </a:schemeClr>
                 </a:solidFill>
+                <a:latin typeface="+mj-lt"/>
               </a:defRPr>
             </a:lvl1pPr>
           </a:lstStyle>
@@ -3024,23 +3307,23 @@
     </p:spTree>
     <p:extLst>
       <p:ext uri="{BB962C8B-B14F-4D97-AF65-F5344CB8AC3E}">
-        <p14:creationId xmlns:p14="http://schemas.microsoft.com/office/powerpoint/2010/main" val="386647458"/>
+        <p14:creationId xmlns:p14="http://schemas.microsoft.com/office/powerpoint/2010/main" val="2175595045"/>
       </p:ext>
     </p:extLst>
   </p:cSld>
   <p:clrMap bg1="lt1" tx1="dk1" bg2="lt2" tx2="dk2" accent1="accent1" accent2="accent2" accent3="accent3" accent4="accent4" accent5="accent5" accent6="accent6" hlink="hlink" folHlink="folHlink"/>
   <p:sldLayoutIdLst>
-    <p:sldLayoutId id="2147483649" r:id="rId1"/>
-    <p:sldLayoutId id="2147483650" r:id="rId2"/>
-    <p:sldLayoutId id="2147483651" r:id="rId3"/>
-    <p:sldLayoutId id="2147483652" r:id="rId4"/>
-    <p:sldLayoutId id="2147483653" r:id="rId5"/>
-    <p:sldLayoutId id="2147483654" r:id="rId6"/>
-    <p:sldLayoutId id="2147483655" r:id="rId7"/>
-    <p:sldLayoutId id="2147483656" r:id="rId8"/>
-    <p:sldLayoutId id="2147483657" r:id="rId9"/>
-    <p:sldLayoutId id="2147483658" r:id="rId10"/>
-    <p:sldLayoutId id="2147483659" r:id="rId11"/>
+    <p:sldLayoutId id="2147483673" r:id="rId1"/>
+    <p:sldLayoutId id="2147483674" r:id="rId2"/>
+    <p:sldLayoutId id="2147483675" r:id="rId3"/>
+    <p:sldLayoutId id="2147483676" r:id="rId4"/>
+    <p:sldLayoutId id="2147483677" r:id="rId5"/>
+    <p:sldLayoutId id="2147483678" r:id="rId6"/>
+    <p:sldLayoutId id="2147483679" r:id="rId7"/>
+    <p:sldLayoutId id="2147483680" r:id="rId8"/>
+    <p:sldLayoutId id="2147483681" r:id="rId9"/>
+    <p:sldLayoutId id="2147483682" r:id="rId10"/>
+    <p:sldLayoutId id="2147483683" r:id="rId11"/>
   </p:sldLayoutIdLst>
   <p:txStyles>
     <p:titleStyle>
@@ -3052,9 +3335,9 @@
           <a:spcPct val="0"/>
         </a:spcBef>
         <a:buNone/>
-        <a:defRPr sz="4400" kern="1200">
+        <a:defRPr sz="4400" b="1" kern="1200" spc="-50" baseline="0">
           <a:solidFill>
-            <a:schemeClr val="tx1"/>
+            <a:schemeClr val="accent1"/>
           </a:solidFill>
           <a:latin typeface="+mj-lt"/>
           <a:ea typeface="+mj-ea"/>
@@ -3063,162 +3346,244 @@
       </a:lvl1pPr>
     </p:titleStyle>
     <p:bodyStyle>
-      <a:lvl1pPr marL="228600" indent="-228600" algn="l" defTabSz="914400" rtl="0" eaLnBrk="1" latinLnBrk="0" hangingPunct="1">
+      <a:lvl1pPr marL="182880" indent="-182880" algn="l" defTabSz="914400" rtl="0" eaLnBrk="1" latinLnBrk="0" hangingPunct="1">
         <a:lnSpc>
-          <a:spcPct val="90000"/>
+          <a:spcPct val="95000"/>
         </a:lnSpc>
         <a:spcBef>
-          <a:spcPts val="1000"/>
+          <a:spcPts val="1400"/>
         </a:spcBef>
-        <a:buFont typeface="Arial" panose="020B0604020202020204" pitchFamily="34" charset="0"/>
+        <a:spcAft>
+          <a:spcPts val="200"/>
+        </a:spcAft>
+        <a:buClr>
+          <a:schemeClr val="accent1"/>
+        </a:buClr>
+        <a:buSzPct val="80000"/>
+        <a:buFont typeface="Arial" pitchFamily="34" charset="0"/>
         <a:buChar char="•"/>
-        <a:defRPr sz="2800" kern="1200">
+        <a:defRPr sz="2000" kern="1200" spc="10" baseline="0">
           <a:solidFill>
-            <a:schemeClr val="tx1"/>
+            <a:schemeClr val="tx1">
+              <a:lumMod val="65000"/>
+              <a:lumOff val="35000"/>
+            </a:schemeClr>
           </a:solidFill>
           <a:latin typeface="+mn-lt"/>
           <a:ea typeface="+mn-ea"/>
           <a:cs typeface="+mn-cs"/>
         </a:defRPr>
       </a:lvl1pPr>
-      <a:lvl2pPr marL="685800" indent="-228600" algn="l" defTabSz="914400" rtl="0" eaLnBrk="1" latinLnBrk="0" hangingPunct="1">
+      <a:lvl2pPr marL="457200" indent="-182880" algn="l" defTabSz="914400" rtl="0" eaLnBrk="1" latinLnBrk="0" hangingPunct="1">
         <a:lnSpc>
           <a:spcPct val="90000"/>
         </a:lnSpc>
         <a:spcBef>
-          <a:spcPts val="500"/>
+          <a:spcPts val="300"/>
         </a:spcBef>
-        <a:buFont typeface="Arial" panose="020B0604020202020204" pitchFamily="34" charset="0"/>
-        <a:buChar char="•"/>
-        <a:defRPr sz="2400" kern="1200">
+        <a:spcAft>
+          <a:spcPts val="300"/>
+        </a:spcAft>
+        <a:buClr>
+          <a:schemeClr val="accent1"/>
+        </a:buClr>
+        <a:buFont typeface="Wingdings 2" pitchFamily="18" charset="2"/>
+        <a:buChar char=""/>
+        <a:defRPr sz="1800" kern="1200">
           <a:solidFill>
-            <a:schemeClr val="tx1"/>
+            <a:schemeClr val="tx1">
+              <a:lumMod val="65000"/>
+              <a:lumOff val="35000"/>
+            </a:schemeClr>
           </a:solidFill>
           <a:latin typeface="+mn-lt"/>
           <a:ea typeface="+mn-ea"/>
           <a:cs typeface="+mn-cs"/>
         </a:defRPr>
       </a:lvl2pPr>
-      <a:lvl3pPr marL="1143000" indent="-228600" algn="l" defTabSz="914400" rtl="0" eaLnBrk="1" latinLnBrk="0" hangingPunct="1">
+      <a:lvl3pPr marL="731520" indent="-182880" algn="l" defTabSz="914400" rtl="0" eaLnBrk="1" latinLnBrk="0" hangingPunct="1">
         <a:lnSpc>
           <a:spcPct val="90000"/>
         </a:lnSpc>
         <a:spcBef>
-          <a:spcPts val="500"/>
+          <a:spcPts val="300"/>
         </a:spcBef>
-        <a:buFont typeface="Arial" panose="020B0604020202020204" pitchFamily="34" charset="0"/>
-        <a:buChar char="•"/>
-        <a:defRPr sz="2000" kern="1200">
+        <a:spcAft>
+          <a:spcPts val="300"/>
+        </a:spcAft>
+        <a:buClr>
+          <a:schemeClr val="accent1"/>
+        </a:buClr>
+        <a:buFont typeface="Wingdings 2" pitchFamily="18" charset="2"/>
+        <a:buChar char=""/>
+        <a:defRPr sz="1600" kern="1200">
           <a:solidFill>
-            <a:schemeClr val="tx1"/>
+            <a:schemeClr val="tx1">
+              <a:lumMod val="65000"/>
+              <a:lumOff val="35000"/>
+            </a:schemeClr>
           </a:solidFill>
           <a:latin typeface="+mn-lt"/>
           <a:ea typeface="+mn-ea"/>
           <a:cs typeface="+mn-cs"/>
         </a:defRPr>
       </a:lvl3pPr>
-      <a:lvl4pPr marL="1600200" indent="-228600" algn="l" defTabSz="914400" rtl="0" eaLnBrk="1" latinLnBrk="0" hangingPunct="1">
+      <a:lvl4pPr marL="1005840" indent="-182880" algn="l" defTabSz="914400" rtl="0" eaLnBrk="1" latinLnBrk="0" hangingPunct="1">
         <a:lnSpc>
           <a:spcPct val="90000"/>
         </a:lnSpc>
         <a:spcBef>
-          <a:spcPts val="500"/>
+          <a:spcPts val="300"/>
         </a:spcBef>
-        <a:buFont typeface="Arial" panose="020B0604020202020204" pitchFamily="34" charset="0"/>
-        <a:buChar char="•"/>
-        <a:defRPr sz="1800" kern="1200">
+        <a:spcAft>
+          <a:spcPts val="300"/>
+        </a:spcAft>
+        <a:buClr>
+          <a:schemeClr val="accent1"/>
+        </a:buClr>
+        <a:buFont typeface="Wingdings 2" pitchFamily="18" charset="2"/>
+        <a:buChar char=""/>
+        <a:defRPr sz="1400" kern="1200">
           <a:solidFill>
-            <a:schemeClr val="tx1"/>
+            <a:schemeClr val="tx1">
+              <a:lumMod val="65000"/>
+              <a:lumOff val="35000"/>
+            </a:schemeClr>
           </a:solidFill>
           <a:latin typeface="+mn-lt"/>
           <a:ea typeface="+mn-ea"/>
           <a:cs typeface="+mn-cs"/>
         </a:defRPr>
       </a:lvl4pPr>
-      <a:lvl5pPr marL="2057400" indent="-228600" algn="l" defTabSz="914400" rtl="0" eaLnBrk="1" latinLnBrk="0" hangingPunct="1">
+      <a:lvl5pPr marL="1280160" indent="-182880" algn="l" defTabSz="914400" rtl="0" eaLnBrk="1" latinLnBrk="0" hangingPunct="1">
         <a:lnSpc>
           <a:spcPct val="90000"/>
         </a:lnSpc>
         <a:spcBef>
-          <a:spcPts val="500"/>
+          <a:spcPts val="300"/>
         </a:spcBef>
-        <a:buFont typeface="Arial" panose="020B0604020202020204" pitchFamily="34" charset="0"/>
-        <a:buChar char="•"/>
-        <a:defRPr sz="1800" kern="1200">
+        <a:spcAft>
+          <a:spcPts val="300"/>
+        </a:spcAft>
+        <a:buClr>
+          <a:schemeClr val="accent1"/>
+        </a:buClr>
+        <a:buFont typeface="Wingdings 2" pitchFamily="18" charset="2"/>
+        <a:buChar char=""/>
+        <a:defRPr sz="1400" kern="1200">
           <a:solidFill>
-            <a:schemeClr val="tx1"/>
+            <a:schemeClr val="tx1">
+              <a:lumMod val="65000"/>
+              <a:lumOff val="35000"/>
+            </a:schemeClr>
           </a:solidFill>
           <a:latin typeface="+mn-lt"/>
           <a:ea typeface="+mn-ea"/>
           <a:cs typeface="+mn-cs"/>
         </a:defRPr>
       </a:lvl5pPr>
-      <a:lvl6pPr marL="2514600" indent="-228600" algn="l" defTabSz="914400" rtl="0" eaLnBrk="1" latinLnBrk="0" hangingPunct="1">
+      <a:lvl6pPr marL="1600000" indent="-228600" algn="l" defTabSz="914400" rtl="0" eaLnBrk="1" latinLnBrk="0" hangingPunct="1">
         <a:lnSpc>
           <a:spcPct val="90000"/>
         </a:lnSpc>
         <a:spcBef>
-          <a:spcPts val="500"/>
+          <a:spcPts val="300"/>
         </a:spcBef>
-        <a:buFont typeface="Arial" panose="020B0604020202020204" pitchFamily="34" charset="0"/>
-        <a:buChar char="•"/>
-        <a:defRPr sz="1800" kern="1200">
+        <a:spcAft>
+          <a:spcPts val="300"/>
+        </a:spcAft>
+        <a:buClr>
+          <a:schemeClr val="accent1"/>
+        </a:buClr>
+        <a:buFont typeface="Wingdings 2" pitchFamily="18" charset="2"/>
+        <a:buChar char=""/>
+        <a:defRPr sz="1400" kern="1200">
           <a:solidFill>
-            <a:schemeClr val="tx1"/>
+            <a:schemeClr val="tx1">
+              <a:lumMod val="65000"/>
+              <a:lumOff val="35000"/>
+            </a:schemeClr>
           </a:solidFill>
           <a:latin typeface="+mn-lt"/>
           <a:ea typeface="+mn-ea"/>
           <a:cs typeface="+mn-cs"/>
         </a:defRPr>
       </a:lvl6pPr>
-      <a:lvl7pPr marL="2971800" indent="-228600" algn="l" defTabSz="914400" rtl="0" eaLnBrk="1" latinLnBrk="0" hangingPunct="1">
+      <a:lvl7pPr marL="1900000" indent="-228600" algn="l" defTabSz="914400" rtl="0" eaLnBrk="1" latinLnBrk="0" hangingPunct="1">
         <a:lnSpc>
           <a:spcPct val="90000"/>
         </a:lnSpc>
         <a:spcBef>
-          <a:spcPts val="500"/>
+          <a:spcPts val="300"/>
         </a:spcBef>
-        <a:buFont typeface="Arial" panose="020B0604020202020204" pitchFamily="34" charset="0"/>
-        <a:buChar char="•"/>
-        <a:defRPr sz="1800" kern="1200">
+        <a:spcAft>
+          <a:spcPts val="300"/>
+        </a:spcAft>
+        <a:buClr>
+          <a:schemeClr val="accent1"/>
+        </a:buClr>
+        <a:buFont typeface="Wingdings 2" pitchFamily="18" charset="2"/>
+        <a:buChar char=""/>
+        <a:defRPr sz="1400" kern="1200">
           <a:solidFill>
-            <a:schemeClr val="tx1"/>
+            <a:schemeClr val="tx1">
+              <a:lumMod val="65000"/>
+              <a:lumOff val="35000"/>
+            </a:schemeClr>
           </a:solidFill>
           <a:latin typeface="+mn-lt"/>
           <a:ea typeface="+mn-ea"/>
           <a:cs typeface="+mn-cs"/>
         </a:defRPr>
       </a:lvl7pPr>
-      <a:lvl8pPr marL="3429000" indent="-228600" algn="l" defTabSz="914400" rtl="0" eaLnBrk="1" latinLnBrk="0" hangingPunct="1">
+      <a:lvl8pPr marL="2200000" indent="-228600" algn="l" defTabSz="914400" rtl="0" eaLnBrk="1" latinLnBrk="0" hangingPunct="1">
         <a:lnSpc>
           <a:spcPct val="90000"/>
         </a:lnSpc>
         <a:spcBef>
-          <a:spcPts val="500"/>
+          <a:spcPts val="300"/>
         </a:spcBef>
-        <a:buFont typeface="Arial" panose="020B0604020202020204" pitchFamily="34" charset="0"/>
-        <a:buChar char="•"/>
-        <a:defRPr sz="1800" kern="1200">
+        <a:spcAft>
+          <a:spcPts val="300"/>
+        </a:spcAft>
+        <a:buClr>
+          <a:schemeClr val="accent1"/>
+        </a:buClr>
+        <a:buFont typeface="Wingdings 2" pitchFamily="18" charset="2"/>
+        <a:buChar char=""/>
+        <a:defRPr sz="1400" kern="1200">
           <a:solidFill>
-            <a:schemeClr val="tx1"/>
+            <a:schemeClr val="tx1">
+              <a:lumMod val="65000"/>
+              <a:lumOff val="35000"/>
+            </a:schemeClr>
           </a:solidFill>
           <a:latin typeface="+mn-lt"/>
           <a:ea typeface="+mn-ea"/>
           <a:cs typeface="+mn-cs"/>
         </a:defRPr>
       </a:lvl8pPr>
-      <a:lvl9pPr marL="3886200" indent="-228600" algn="l" defTabSz="914400" rtl="0" eaLnBrk="1" latinLnBrk="0" hangingPunct="1">
+      <a:lvl9pPr marL="2500000" indent="-228600" algn="l" defTabSz="914400" rtl="0" eaLnBrk="1" latinLnBrk="0" hangingPunct="1">
         <a:lnSpc>
           <a:spcPct val="90000"/>
         </a:lnSpc>
         <a:spcBef>
-          <a:spcPts val="500"/>
+          <a:spcPts val="300"/>
         </a:spcBef>
-        <a:buFont typeface="Arial" panose="020B0604020202020204" pitchFamily="34" charset="0"/>
-        <a:buChar char="•"/>
-        <a:defRPr sz="1800" kern="1200">
+        <a:spcAft>
+          <a:spcPts val="300"/>
+        </a:spcAft>
+        <a:buClr>
+          <a:schemeClr val="accent1"/>
+        </a:buClr>
+        <a:buFont typeface="Wingdings 2" pitchFamily="18" charset="2"/>
+        <a:buChar char=""/>
+        <a:defRPr sz="1400" kern="1200">
           <a:solidFill>
-            <a:schemeClr val="tx1"/>
+            <a:schemeClr val="tx1">
+              <a:lumMod val="65000"/>
+              <a:lumOff val="35000"/>
+            </a:schemeClr>
           </a:solidFill>
           <a:latin typeface="+mn-lt"/>
           <a:ea typeface="+mn-ea"/>
@@ -3228,7 +3593,7 @@
     </p:bodyStyle>
     <p:otherStyle>
       <a:defPPr>
-        <a:defRPr lang="es-MX"/>
+        <a:defRPr lang="en-US"/>
       </a:defPPr>
       <a:lvl1pPr marL="0" algn="l" defTabSz="914400" rtl="0" eaLnBrk="1" latinLnBrk="0" hangingPunct="1">
         <a:defRPr sz="1800" kern="1200">
@@ -3361,7 +3726,7 @@
         <p:spPr/>
         <p:txBody>
           <a:bodyPr>
-            <a:normAutofit fontScale="90000"/>
+            <a:normAutofit/>
           </a:bodyPr>
           <a:lstStyle/>
           <a:p>
@@ -3414,10 +3779,183 @@
 </p:sld>
 </file>
 
+<file path=ppt/slides/slide2.xml><?xml version="1.0" encoding="utf-8"?>
+<p:sld xmlns:a="http://schemas.openxmlformats.org/drawingml/2006/main" xmlns:r="http://schemas.openxmlformats.org/officeDocument/2006/relationships" xmlns:p="http://schemas.openxmlformats.org/presentationml/2006/main">
+  <p:cSld>
+    <p:spTree>
+      <p:nvGrpSpPr>
+        <p:cNvPr id="1" name=""/>
+        <p:cNvGrpSpPr/>
+        <p:nvPr/>
+      </p:nvGrpSpPr>
+      <p:grpSpPr>
+        <a:xfrm>
+          <a:off x="0" y="0"/>
+          <a:ext cx="0" cy="0"/>
+          <a:chOff x="0" y="0"/>
+          <a:chExt cx="0" cy="0"/>
+        </a:xfrm>
+      </p:grpSpPr>
+      <p:sp>
+        <p:nvSpPr>
+          <p:cNvPr id="2" name="Title 1">
+            <a:extLst>
+              <a:ext uri="{FF2B5EF4-FFF2-40B4-BE49-F238E27FC236}">
+                <a16:creationId xmlns:a16="http://schemas.microsoft.com/office/drawing/2014/main" id="{835860C4-43DC-49EF-8B0F-EC5C926FBA5D}"/>
+              </a:ext>
+            </a:extLst>
+          </p:cNvPr>
+          <p:cNvSpPr>
+            <a:spLocks noGrp="1"/>
+          </p:cNvSpPr>
+          <p:nvPr>
+            <p:ph type="title"/>
+          </p:nvPr>
+        </p:nvSpPr>
+        <p:spPr/>
+        <p:txBody>
+          <a:bodyPr/>
+          <a:lstStyle/>
+          <a:p>
+            <a:r>
+              <a:rPr lang="es-MX" dirty="0"/>
+              <a:t>Licencia de distribución</a:t>
+            </a:r>
+          </a:p>
+        </p:txBody>
+      </p:sp>
+      <p:sp>
+        <p:nvSpPr>
+          <p:cNvPr id="3" name="Content Placeholder 2">
+            <a:extLst>
+              <a:ext uri="{FF2B5EF4-FFF2-40B4-BE49-F238E27FC236}">
+                <a16:creationId xmlns:a16="http://schemas.microsoft.com/office/drawing/2014/main" id="{4996021F-4162-419D-BF9F-BBF0FBA82E87}"/>
+              </a:ext>
+            </a:extLst>
+          </p:cNvPr>
+          <p:cNvSpPr>
+            <a:spLocks noGrp="1"/>
+          </p:cNvSpPr>
+          <p:nvPr>
+            <p:ph idx="1"/>
+          </p:nvPr>
+        </p:nvSpPr>
+        <p:spPr/>
+        <p:txBody>
+          <a:bodyPr>
+            <a:normAutofit/>
+          </a:bodyPr>
+          <a:lstStyle/>
+          <a:p>
+            <a:r>
+              <a:rPr lang="es-MX" dirty="0"/>
+              <a:t>Distribución gratuita sobre una versión modificada de GPLv3.0 </a:t>
+            </a:r>
+          </a:p>
+          <a:p>
+            <a:pPr lvl="1"/>
+            <a:r>
+              <a:rPr lang="es-MX" dirty="0"/>
+              <a:t>Se puede utilizar, distribuir y modificar sin costo. </a:t>
+            </a:r>
+          </a:p>
+          <a:p>
+            <a:pPr lvl="1"/>
+            <a:r>
+              <a:rPr lang="es-MX" dirty="0"/>
+              <a:t>Se debe atribuir correctamente, mencionando el sitio y el nombre </a:t>
+            </a:r>
+            <a:r>
+              <a:rPr lang="es-MX" dirty="0" err="1"/>
+              <a:t>Joyeuse</a:t>
+            </a:r>
+            <a:r>
+              <a:rPr lang="es-MX" dirty="0"/>
+              <a:t>. </a:t>
+            </a:r>
+          </a:p>
+          <a:p>
+            <a:pPr lvl="1"/>
+            <a:r>
+              <a:rPr lang="es-MX" dirty="0"/>
+              <a:t>Para el contenido generado:</a:t>
+            </a:r>
+          </a:p>
+          <a:p>
+            <a:pPr lvl="2"/>
+            <a:r>
+              <a:rPr lang="es-MX" dirty="0"/>
+              <a:t>Se puede distribuir con un juego, ya sea gratuito o comercial, sin estar sujeto a una licencia especifica. </a:t>
+            </a:r>
+          </a:p>
+          <a:p>
+            <a:pPr lvl="2"/>
+            <a:r>
+              <a:rPr lang="es-MX" dirty="0"/>
+              <a:t>En caso de estar generado con una versión modificada, queda sujeto a los términos que establezca el publicador de la misma. </a:t>
+            </a:r>
+          </a:p>
+          <a:p>
+            <a:pPr lvl="1"/>
+            <a:r>
+              <a:rPr lang="es-MX" dirty="0"/>
+              <a:t>Para las modificaciones:</a:t>
+            </a:r>
+          </a:p>
+          <a:p>
+            <a:pPr lvl="2"/>
+            <a:r>
+              <a:rPr lang="es-MX" dirty="0"/>
+              <a:t>Se puede distribuir con un juego sin costo y sin compartir el código fuente. </a:t>
+            </a:r>
+          </a:p>
+          <a:p>
+            <a:pPr lvl="2"/>
+            <a:r>
+              <a:rPr lang="es-MX" dirty="0"/>
+              <a:t>Se puede distribuir como herramienta de desarrollo pagando una licencia para ello, se debe compartir el código fuente, ya sea públicamente o en la compra de la modificación.</a:t>
+            </a:r>
+          </a:p>
+          <a:p>
+            <a:pPr lvl="2"/>
+            <a:r>
+              <a:rPr lang="es-MX" dirty="0"/>
+              <a:t>Se debe incluir, en un lugar accesible al usuario final, un anuncio que especifique que se trata de una versión modificada de </a:t>
+            </a:r>
+            <a:r>
+              <a:rPr lang="es-MX" dirty="0" err="1"/>
+              <a:t>Joyeuse</a:t>
+            </a:r>
+            <a:r>
+              <a:rPr lang="es-MX" dirty="0"/>
+              <a:t>. </a:t>
+            </a:r>
+          </a:p>
+          <a:p>
+            <a:pPr marL="914400" lvl="2" indent="0">
+              <a:buNone/>
+            </a:pPr>
+            <a:endParaRPr lang="es-MX" dirty="0"/>
+          </a:p>
+        </p:txBody>
+      </p:sp>
+    </p:spTree>
+    <p:extLst>
+      <p:ext uri="{BB962C8B-B14F-4D97-AF65-F5344CB8AC3E}">
+        <p14:creationId xmlns:p14="http://schemas.microsoft.com/office/powerpoint/2010/main" val="1679719683"/>
+      </p:ext>
+    </p:extLst>
+  </p:cSld>
+  <p:clrMapOvr>
+    <a:masterClrMapping/>
+  </p:clrMapOvr>
+</p:sld>
+</file>
+
 <file path=ppt/theme/theme1.xml><?xml version="1.0" encoding="utf-8"?>
-<a:theme xmlns:a="http://schemas.openxmlformats.org/drawingml/2006/main" name="Office Theme">
+<a:theme xmlns:a="http://schemas.openxmlformats.org/drawingml/2006/main" name="View">
   <a:themeElements>
-    <a:clrScheme name="Office">
+    <a:clrScheme name="View">
       <a:dk1>
         <a:sysClr val="windowText" lastClr="000000"/>
       </a:dk1>
@@ -3425,100 +3963,48 @@
         <a:sysClr val="window" lastClr="FFFFFF"/>
       </a:lt1>
       <a:dk2>
-        <a:srgbClr val="44546A"/>
+        <a:srgbClr val="696464"/>
       </a:dk2>
       <a:lt2>
-        <a:srgbClr val="E7E6E6"/>
+        <a:srgbClr val="E9E5DC"/>
       </a:lt2>
       <a:accent1>
-        <a:srgbClr val="4472C4"/>
+        <a:srgbClr val="D34817"/>
       </a:accent1>
       <a:accent2>
-        <a:srgbClr val="ED7D31"/>
+        <a:srgbClr val="9B2D1F"/>
       </a:accent2>
       <a:accent3>
-        <a:srgbClr val="A5A5A5"/>
+        <a:srgbClr val="A28E6A"/>
       </a:accent3>
       <a:accent4>
-        <a:srgbClr val="FFC000"/>
+        <a:srgbClr val="956251"/>
       </a:accent4>
       <a:accent5>
-        <a:srgbClr val="5B9BD5"/>
+        <a:srgbClr val="918485"/>
       </a:accent5>
       <a:accent6>
-        <a:srgbClr val="70AD47"/>
+        <a:srgbClr val="855D5D"/>
       </a:accent6>
       <a:hlink>
-        <a:srgbClr val="0563C1"/>
+        <a:srgbClr val="CC9900"/>
       </a:hlink>
       <a:folHlink>
-        <a:srgbClr val="954F72"/>
+        <a:srgbClr val="96A9A9"/>
       </a:folHlink>
     </a:clrScheme>
-    <a:fontScheme name="Office">
+    <a:fontScheme name="View">
       <a:majorFont>
-        <a:latin typeface="Calibri Light" panose="020F0302020204030204"/>
+        <a:latin typeface="Century Schoolbook" panose="02040604050505020304"/>
         <a:ea typeface=""/>
         <a:cs typeface=""/>
-        <a:font script="Jpan" typeface="游ゴシック Light"/>
+        <a:font script="Jpan" typeface="ＭＳ ゴシック"/>
         <a:font script="Hang" typeface="맑은 고딕"/>
-        <a:font script="Hans" typeface="等线 Light"/>
+        <a:font script="Hans" typeface="宋体"/>
         <a:font script="Hant" typeface="新細明體"/>
-        <a:font script="Arab" typeface="Times New Roman"/>
-        <a:font script="Hebr" typeface="Times New Roman"/>
-        <a:font script="Thai" typeface="Angsana New"/>
-        <a:font script="Ethi" typeface="Nyala"/>
-        <a:font script="Beng" typeface="Vrinda"/>
-        <a:font script="Gujr" typeface="Shruti"/>
-        <a:font script="Khmr" typeface="MoolBoran"/>
-        <a:font script="Knda" typeface="Tunga"/>
-        <a:font script="Guru" typeface="Raavi"/>
-        <a:font script="Cans" typeface="Euphemia"/>
-        <a:font script="Cher" typeface="Plantagenet Cherokee"/>
-        <a:font script="Yiii" typeface="Microsoft Yi Baiti"/>
-        <a:font script="Tibt" typeface="Microsoft Himalaya"/>
-        <a:font script="Thaa" typeface="MV Boli"/>
-        <a:font script="Deva" typeface="Mangal"/>
-        <a:font script="Telu" typeface="Gautami"/>
-        <a:font script="Taml" typeface="Latha"/>
-        <a:font script="Syrc" typeface="Estrangelo Edessa"/>
-        <a:font script="Orya" typeface="Kalinga"/>
-        <a:font script="Mlym" typeface="Kartika"/>
-        <a:font script="Laoo" typeface="DokChampa"/>
-        <a:font script="Sinh" typeface="Iskoola Pota"/>
-        <a:font script="Mong" typeface="Mongolian Baiti"/>
-        <a:font script="Viet" typeface="Times New Roman"/>
-        <a:font script="Uigh" typeface="Microsoft Uighur"/>
-        <a:font script="Geor" typeface="Sylfaen"/>
-        <a:font script="Armn" typeface="Arial"/>
-        <a:font script="Bugi" typeface="Leelawadee UI"/>
-        <a:font script="Bopo" typeface="Microsoft JhengHei"/>
-        <a:font script="Java" typeface="Javanese Text"/>
-        <a:font script="Lisu" typeface="Segoe UI"/>
-        <a:font script="Mymr" typeface="Myanmar Text"/>
-        <a:font script="Nkoo" typeface="Ebrima"/>
-        <a:font script="Olck" typeface="Nirmala UI"/>
-        <a:font script="Osma" typeface="Ebrima"/>
-        <a:font script="Phag" typeface="Phagspa"/>
-        <a:font script="Syrn" typeface="Estrangelo Edessa"/>
-        <a:font script="Syrj" typeface="Estrangelo Edessa"/>
-        <a:font script="Syre" typeface="Estrangelo Edessa"/>
-        <a:font script="Sora" typeface="Nirmala UI"/>
-        <a:font script="Tale" typeface="Microsoft Tai Le"/>
-        <a:font script="Talu" typeface="Microsoft New Tai Lue"/>
-        <a:font script="Tfng" typeface="Ebrima"/>
-      </a:majorFont>
-      <a:minorFont>
-        <a:latin typeface="Calibri" panose="020F0502020204030204"/>
-        <a:ea typeface=""/>
-        <a:cs typeface=""/>
-        <a:font script="Jpan" typeface="游ゴシック"/>
-        <a:font script="Hang" typeface="맑은 고딕"/>
-        <a:font script="Hans" typeface="等线"/>
-        <a:font script="Hant" typeface="新細明體"/>
-        <a:font script="Arab" typeface="Arial"/>
-        <a:font script="Hebr" typeface="Arial"/>
-        <a:font script="Thai" typeface="Cordia New"/>
+        <a:font script="Arab" typeface="Tahoma"/>
+        <a:font script="Hebr" typeface="Gisha"/>
+        <a:font script="Thai" typeface="DilleniaUPC"/>
         <a:font script="Ethi" typeface="Nyala"/>
         <a:font script="Beng" typeface="Vrinda"/>
         <a:font script="Gujr" typeface="Shruti"/>
@@ -3539,107 +4025,86 @@
         <a:font script="Laoo" typeface="DokChampa"/>
         <a:font script="Sinh" typeface="Iskoola Pota"/>
         <a:font script="Mong" typeface="Mongolian Baiti"/>
-        <a:font script="Viet" typeface="Arial"/>
+        <a:font script="Viet" typeface="Tahoma"/>
         <a:font script="Uigh" typeface="Microsoft Uighur"/>
         <a:font script="Geor" typeface="Sylfaen"/>
-        <a:font script="Armn" typeface="Arial"/>
-        <a:font script="Bugi" typeface="Leelawadee UI"/>
-        <a:font script="Bopo" typeface="Microsoft JhengHei"/>
-        <a:font script="Java" typeface="Javanese Text"/>
-        <a:font script="Lisu" typeface="Segoe UI"/>
-        <a:font script="Mymr" typeface="Myanmar Text"/>
-        <a:font script="Nkoo" typeface="Ebrima"/>
-        <a:font script="Olck" typeface="Nirmala UI"/>
-        <a:font script="Osma" typeface="Ebrima"/>
-        <a:font script="Phag" typeface="Phagspa"/>
-        <a:font script="Syrn" typeface="Estrangelo Edessa"/>
-        <a:font script="Syrj" typeface="Estrangelo Edessa"/>
-        <a:font script="Syre" typeface="Estrangelo Edessa"/>
-        <a:font script="Sora" typeface="Nirmala UI"/>
-        <a:font script="Tale" typeface="Microsoft Tai Le"/>
-        <a:font script="Talu" typeface="Microsoft New Tai Lue"/>
-        <a:font script="Tfng" typeface="Ebrima"/>
+      </a:majorFont>
+      <a:minorFont>
+        <a:latin typeface="Century Schoolbook" panose="02040604050505020304"/>
+        <a:ea typeface=""/>
+        <a:cs typeface=""/>
+        <a:font script="Jpan" typeface="ＭＳ ゴシック"/>
+        <a:font script="Hang" typeface="맑은 고딕"/>
+        <a:font script="Hans" typeface="宋体"/>
+        <a:font script="Hant" typeface="新細明體"/>
+        <a:font script="Arab" typeface="Tahoma"/>
+        <a:font script="Hebr" typeface="Gisha"/>
+        <a:font script="Thai" typeface="DilleniaUPC"/>
+        <a:font script="Ethi" typeface="Nyala"/>
+        <a:font script="Beng" typeface="Vrinda"/>
+        <a:font script="Gujr" typeface="Shruti"/>
+        <a:font script="Khmr" typeface="DaunPenh"/>
+        <a:font script="Knda" typeface="Tunga"/>
+        <a:font script="Guru" typeface="Raavi"/>
+        <a:font script="Cans" typeface="Euphemia"/>
+        <a:font script="Cher" typeface="Plantagenet Cherokee"/>
+        <a:font script="Yiii" typeface="Microsoft Yi Baiti"/>
+        <a:font script="Tibt" typeface="Microsoft Himalaya"/>
+        <a:font script="Thaa" typeface="MV Boli"/>
+        <a:font script="Deva" typeface="Mangal"/>
+        <a:font script="Telu" typeface="Gautami"/>
+        <a:font script="Taml" typeface="Latha"/>
+        <a:font script="Syrc" typeface="Estrangelo Edessa"/>
+        <a:font script="Orya" typeface="Kalinga"/>
+        <a:font script="Mlym" typeface="Kartika"/>
+        <a:font script="Laoo" typeface="DokChampa"/>
+        <a:font script="Sinh" typeface="Iskoola Pota"/>
+        <a:font script="Mong" typeface="Mongolian Baiti"/>
+        <a:font script="Viet" typeface="Verdana"/>
+        <a:font script="Uigh" typeface="Microsoft Uighur"/>
+        <a:font script="Geor" typeface="Sylfaen"/>
       </a:minorFont>
     </a:fontScheme>
-    <a:fmtScheme name="Office">
+    <a:fmtScheme name="View">
       <a:fillStyleLst>
         <a:solidFill>
           <a:schemeClr val="phClr"/>
         </a:solidFill>
-        <a:gradFill rotWithShape="1">
-          <a:gsLst>
-            <a:gs pos="0">
-              <a:schemeClr val="phClr">
-                <a:lumMod val="110000"/>
-                <a:satMod val="105000"/>
-                <a:tint val="67000"/>
-              </a:schemeClr>
-            </a:gs>
-            <a:gs pos="50000">
-              <a:schemeClr val="phClr">
-                <a:lumMod val="105000"/>
-                <a:satMod val="103000"/>
-                <a:tint val="73000"/>
-              </a:schemeClr>
-            </a:gs>
-            <a:gs pos="100000">
-              <a:schemeClr val="phClr">
-                <a:lumMod val="105000"/>
-                <a:satMod val="109000"/>
-                <a:tint val="81000"/>
-              </a:schemeClr>
-            </a:gs>
-          </a:gsLst>
-          <a:lin ang="5400000" scaled="0"/>
-        </a:gradFill>
-        <a:gradFill rotWithShape="1">
-          <a:gsLst>
-            <a:gs pos="0">
-              <a:schemeClr val="phClr">
-                <a:satMod val="103000"/>
-                <a:lumMod val="102000"/>
-                <a:tint val="94000"/>
-              </a:schemeClr>
-            </a:gs>
-            <a:gs pos="50000">
-              <a:schemeClr val="phClr">
-                <a:satMod val="110000"/>
-                <a:lumMod val="100000"/>
-                <a:shade val="100000"/>
-              </a:schemeClr>
-            </a:gs>
-            <a:gs pos="100000">
-              <a:schemeClr val="phClr">
-                <a:lumMod val="99000"/>
-                <a:satMod val="120000"/>
-                <a:shade val="78000"/>
-              </a:schemeClr>
-            </a:gs>
-          </a:gsLst>
-          <a:lin ang="5400000" scaled="0"/>
-        </a:gradFill>
+        <a:solidFill>
+          <a:schemeClr val="phClr">
+            <a:tint val="60000"/>
+            <a:satMod val="120000"/>
+          </a:schemeClr>
+        </a:solidFill>
+        <a:solidFill>
+          <a:schemeClr val="phClr">
+            <a:shade val="75000"/>
+            <a:satMod val="130000"/>
+          </a:schemeClr>
+        </a:solidFill>
       </a:fillStyleLst>
       <a:lnStyleLst>
-        <a:ln w="6350" cap="flat" cmpd="sng" algn="ctr">
+        <a:ln w="9525" cap="flat" cmpd="sng" algn="ctr">
           <a:solidFill>
             <a:schemeClr val="phClr"/>
           </a:solidFill>
           <a:prstDash val="solid"/>
-          <a:miter lim="800000"/>
         </a:ln>
-        <a:ln w="12700" cap="flat" cmpd="sng" algn="ctr">
+        <a:ln w="13970" cap="flat" cmpd="sng" algn="ctr">
           <a:solidFill>
             <a:schemeClr val="phClr"/>
           </a:solidFill>
           <a:prstDash val="solid"/>
-          <a:miter lim="800000"/>
         </a:ln>
-        <a:ln w="19050" cap="flat" cmpd="sng" algn="ctr">
+        <a:ln w="17145" cap="flat" cmpd="sng" algn="ctr">
           <a:solidFill>
-            <a:schemeClr val="phClr"/>
+            <a:schemeClr val="phClr">
+              <a:shade val="95000"/>
+              <a:alpha val="95000"/>
+              <a:satMod val="150000"/>
+            </a:schemeClr>
           </a:solidFill>
           <a:prstDash val="solid"/>
-          <a:miter lim="800000"/>
         </a:ln>
       </a:lnStyleLst>
       <a:effectStyleLst>
@@ -3647,16 +4112,52 @@
           <a:effectLst/>
         </a:effectStyle>
         <a:effectStyle>
-          <a:effectLst/>
+          <a:effectLst>
+            <a:outerShdw blurRad="50800" dist="15240" dir="5400000" algn="tl" rotWithShape="0">
+              <a:srgbClr val="000000">
+                <a:alpha val="75000"/>
+              </a:srgbClr>
+            </a:outerShdw>
+          </a:effectLst>
+          <a:scene3d>
+            <a:camera prst="orthographicFront">
+              <a:rot lat="0" lon="0" rev="0"/>
+            </a:camera>
+            <a:lightRig rig="brightRoom" dir="tl"/>
+          </a:scene3d>
+          <a:sp3d contourW="9525" prstMaterial="flat">
+            <a:bevelT w="0" h="0" prst="coolSlant"/>
+            <a:contourClr>
+              <a:schemeClr val="phClr">
+                <a:shade val="35000"/>
+                <a:satMod val="130000"/>
+              </a:schemeClr>
+            </a:contourClr>
+          </a:sp3d>
         </a:effectStyle>
         <a:effectStyle>
           <a:effectLst>
-            <a:outerShdw blurRad="57150" dist="19050" dir="5400000" algn="ctr" rotWithShape="0">
+            <a:outerShdw blurRad="76200" dist="25400" dir="5400000" algn="tl" rotWithShape="0">
               <a:srgbClr val="000000">
-                <a:alpha val="63000"/>
+                <a:alpha val="55000"/>
               </a:srgbClr>
             </a:outerShdw>
           </a:effectLst>
+          <a:scene3d>
+            <a:camera prst="orthographicFront">
+              <a:rot lat="0" lon="0" rev="0"/>
+            </a:camera>
+            <a:lightRig rig="brightRoom" dir="tl"/>
+          </a:scene3d>
+          <a:sp3d contourW="19050" prstMaterial="flat">
+            <a:bevelT w="0" h="0" prst="coolSlant"/>
+            <a:contourClr>
+              <a:schemeClr val="phClr">
+                <a:shade val="25000"/>
+                <a:satMod val="140000"/>
+              </a:schemeClr>
+            </a:contourClr>
+          </a:sp3d>
         </a:effectStyle>
       </a:effectStyleLst>
       <a:bgFillStyleLst>
@@ -3673,28 +4174,23 @@
           <a:gsLst>
             <a:gs pos="0">
               <a:schemeClr val="phClr">
-                <a:tint val="93000"/>
-                <a:satMod val="150000"/>
+                <a:tint val="94000"/>
                 <a:shade val="98000"/>
+                <a:satMod val="130000"/>
                 <a:lumMod val="102000"/>
-              </a:schemeClr>
-            </a:gs>
-            <a:gs pos="50000">
-              <a:schemeClr val="phClr">
-                <a:tint val="98000"/>
-                <a:satMod val="130000"/>
-                <a:shade val="90000"/>
-                <a:lumMod val="103000"/>
               </a:schemeClr>
             </a:gs>
             <a:gs pos="100000">
               <a:schemeClr val="phClr">
-                <a:shade val="63000"/>
-                <a:satMod val="120000"/>
+                <a:tint val="98000"/>
+                <a:shade val="78000"/>
+                <a:satMod val="140000"/>
               </a:schemeClr>
             </a:gs>
           </a:gsLst>
-          <a:lin ang="5400000" scaled="0"/>
+          <a:path path="circle">
+            <a:fillToRect l="100000" t="100000" r="100000" b="100000"/>
+          </a:path>
         </a:gradFill>
       </a:bgFillStyleLst>
     </a:fmtScheme>
@@ -3703,7 +4199,7 @@
   <a:extraClrSchemeLst/>
   <a:extLst>
     <a:ext uri="{05A4C25C-085E-4340-85A3-A5531E510DB2}">
-      <thm15:themeFamily xmlns:thm15="http://schemas.microsoft.com/office/thememl/2012/main" name="Office Theme" id="{62F939B6-93AF-4DB8-9C6B-D6C7DFDC589F}" vid="{4A3C46E8-61CC-4603-A589-7422A47A8E4A}"/>
+      <thm15:themeFamily xmlns:thm15="http://schemas.microsoft.com/office/thememl/2012/main" name="View" id="{BA0EB5A6-F2D4-4F82-977B-64ADEE4A2A69}" vid="{7B713C7F-58B7-4AE9-B361-B13EB9EC4C0C}"/>
     </a:ext>
   </a:extLst>
 </a:theme>
